--- a/assets/MLops Deck.pptx
+++ b/assets/MLops Deck.pptx
@@ -6,44 +6,46 @@
     <p:sldMasterId id="2147483682" r:id="rId2"/>
   </p:sldMasterIdLst>
   <p:notesMasterIdLst>
-    <p:notesMasterId r:id="rId10"/>
+    <p:notesMasterId r:id="rId12"/>
   </p:notesMasterIdLst>
   <p:sldIdLst>
     <p:sldId id="256" r:id="rId3"/>
     <p:sldId id="269" r:id="rId4"/>
-    <p:sldId id="271" r:id="rId5"/>
-    <p:sldId id="272" r:id="rId6"/>
-    <p:sldId id="273" r:id="rId7"/>
+    <p:sldId id="272" r:id="rId5"/>
+    <p:sldId id="273" r:id="rId6"/>
+    <p:sldId id="271" r:id="rId7"/>
     <p:sldId id="274" r:id="rId8"/>
-    <p:sldId id="268" r:id="rId9"/>
+    <p:sldId id="276" r:id="rId9"/>
+    <p:sldId id="275" r:id="rId10"/>
+    <p:sldId id="268" r:id="rId11"/>
   </p:sldIdLst>
   <p:sldSz cx="9144000" cy="5143500" type="screen16x9"/>
   <p:notesSz cx="6858000" cy="9144000"/>
   <p:embeddedFontLst>
     <p:embeddedFont>
       <p:font typeface="Chalkduster" panose="03050602040202020205" pitchFamily="66" charset="77"/>
-      <p:regular r:id="rId11"/>
+      <p:regular r:id="rId13"/>
     </p:embeddedFont>
     <p:embeddedFont>
       <p:font typeface="Google Sans" pitchFamily="2" charset="0"/>
-      <p:regular r:id="rId12"/>
-      <p:bold r:id="rId13"/>
-      <p:italic r:id="rId14"/>
-      <p:boldItalic r:id="rId15"/>
+      <p:regular r:id="rId14"/>
+      <p:bold r:id="rId15"/>
+      <p:italic r:id="rId16"/>
+      <p:boldItalic r:id="rId17"/>
     </p:embeddedFont>
     <p:embeddedFont>
       <p:font typeface="Montserrat Medium" panose="020F0502020204030204" pitchFamily="34" charset="0"/>
-      <p:regular r:id="rId16"/>
-      <p:bold r:id="rId17"/>
-      <p:italic r:id="rId18"/>
-      <p:boldItalic r:id="rId19"/>
+      <p:regular r:id="rId18"/>
+      <p:bold r:id="rId19"/>
+      <p:italic r:id="rId20"/>
+      <p:boldItalic r:id="rId21"/>
     </p:embeddedFont>
     <p:embeddedFont>
       <p:font typeface="Roboto" panose="02000000000000000000" pitchFamily="2" charset="0"/>
-      <p:regular r:id="rId20"/>
-      <p:bold r:id="rId21"/>
-      <p:italic r:id="rId22"/>
-      <p:boldItalic r:id="rId23"/>
+      <p:regular r:id="rId22"/>
+      <p:bold r:id="rId23"/>
+      <p:italic r:id="rId24"/>
+      <p:boldItalic r:id="rId25"/>
     </p:embeddedFont>
   </p:embeddedFontLst>
   <p:defaultTextStyle>
@@ -1219,14 +1221,14 @@
               </a:spcAft>
               <a:buNone/>
             </a:pPr>
-            <a:endParaRPr dirty="0"/>
+            <a:endParaRPr/>
           </a:p>
         </p:txBody>
       </p:sp>
     </p:spTree>
     <p:extLst>
       <p:ext uri="{BB962C8B-B14F-4D97-AF65-F5344CB8AC3E}">
-        <p14:creationId xmlns:p14="http://schemas.microsoft.com/office/powerpoint/2010/main" val="3798666734"/>
+        <p14:creationId xmlns:p14="http://schemas.microsoft.com/office/powerpoint/2010/main" val="386298450"/>
       </p:ext>
     </p:extLst>
   </p:cSld>
@@ -1335,7 +1337,7 @@
     </p:spTree>
     <p:extLst>
       <p:ext uri="{BB962C8B-B14F-4D97-AF65-F5344CB8AC3E}">
-        <p14:creationId xmlns:p14="http://schemas.microsoft.com/office/powerpoint/2010/main" val="386298450"/>
+        <p14:creationId xmlns:p14="http://schemas.microsoft.com/office/powerpoint/2010/main" val="3204029338"/>
       </p:ext>
     </p:extLst>
   </p:cSld>
@@ -1437,14 +1439,14 @@
               </a:spcAft>
               <a:buNone/>
             </a:pPr>
-            <a:endParaRPr/>
+            <a:endParaRPr dirty="0"/>
           </a:p>
         </p:txBody>
       </p:sp>
     </p:spTree>
     <p:extLst>
       <p:ext uri="{BB962C8B-B14F-4D97-AF65-F5344CB8AC3E}">
-        <p14:creationId xmlns:p14="http://schemas.microsoft.com/office/powerpoint/2010/main" val="3204029338"/>
+        <p14:creationId xmlns:p14="http://schemas.microsoft.com/office/powerpoint/2010/main" val="3798666734"/>
       </p:ext>
     </p:extLst>
   </p:cSld>
@@ -1564,6 +1566,252 @@
 </file>
 
 <file path=ppt/notesSlides/notesSlide7.xml><?xml version="1.0" encoding="utf-8"?>
+<p:notes xmlns:a="http://schemas.openxmlformats.org/drawingml/2006/main" xmlns:r="http://schemas.openxmlformats.org/officeDocument/2006/relationships" xmlns:p="http://schemas.openxmlformats.org/presentationml/2006/main" showMasterSp="0" showMasterPhAnim="0">
+  <p:cSld>
+    <p:spTree>
+      <p:nvGrpSpPr>
+        <p:cNvPr id="1" name="Shape 229"/>
+        <p:cNvGrpSpPr/>
+        <p:nvPr/>
+      </p:nvGrpSpPr>
+      <p:grpSpPr>
+        <a:xfrm>
+          <a:off x="0" y="0"/>
+          <a:ext cx="0" cy="0"/>
+          <a:chOff x="0" y="0"/>
+          <a:chExt cx="0" cy="0"/>
+        </a:xfrm>
+      </p:grpSpPr>
+      <p:sp>
+        <p:nvSpPr>
+          <p:cNvPr id="230" name="Google Shape;230;p6:notes"/>
+          <p:cNvSpPr>
+            <a:spLocks noGrp="1" noRot="1" noChangeAspect="1"/>
+          </p:cNvSpPr>
+          <p:nvPr>
+            <p:ph type="sldImg" idx="2"/>
+          </p:nvPr>
+        </p:nvSpPr>
+        <p:spPr>
+          <a:xfrm>
+            <a:off x="381000" y="685800"/>
+            <a:ext cx="6096000" cy="3429000"/>
+          </a:xfrm>
+          <a:custGeom>
+            <a:avLst/>
+            <a:gdLst/>
+            <a:ahLst/>
+            <a:cxnLst/>
+            <a:rect l="l" t="t" r="r" b="b"/>
+            <a:pathLst>
+              <a:path w="120000" h="120000" extrusionOk="0">
+                <a:moveTo>
+                  <a:pt x="0" y="0"/>
+                </a:moveTo>
+                <a:lnTo>
+                  <a:pt x="120000" y="0"/>
+                </a:lnTo>
+                <a:lnTo>
+                  <a:pt x="120000" y="120000"/>
+                </a:lnTo>
+                <a:lnTo>
+                  <a:pt x="0" y="120000"/>
+                </a:lnTo>
+                <a:close/>
+              </a:path>
+            </a:pathLst>
+          </a:custGeom>
+          <a:noFill/>
+          <a:ln w="9525" cap="flat" cmpd="sng">
+            <a:solidFill>
+              <a:srgbClr val="000000"/>
+            </a:solidFill>
+            <a:prstDash val="solid"/>
+            <a:round/>
+            <a:headEnd type="none" w="sm" len="sm"/>
+            <a:tailEnd type="none" w="sm" len="sm"/>
+          </a:ln>
+        </p:spPr>
+      </p:sp>
+      <p:sp>
+        <p:nvSpPr>
+          <p:cNvPr id="231" name="Google Shape;231;p6:notes"/>
+          <p:cNvSpPr txBox="1">
+            <a:spLocks noGrp="1"/>
+          </p:cNvSpPr>
+          <p:nvPr>
+            <p:ph type="body" idx="1"/>
+          </p:nvPr>
+        </p:nvSpPr>
+        <p:spPr>
+          <a:xfrm>
+            <a:off x="685800" y="4343400"/>
+            <a:ext cx="5486400" cy="4114800"/>
+          </a:xfrm>
+          <a:prstGeom prst="rect">
+            <a:avLst/>
+          </a:prstGeom>
+          <a:noFill/>
+          <a:ln>
+            <a:noFill/>
+          </a:ln>
+        </p:spPr>
+        <p:txBody>
+          <a:bodyPr spcFirstLastPara="1" wrap="square" lIns="91425" tIns="91425" rIns="91425" bIns="91425" anchor="t" anchorCtr="0">
+            <a:noAutofit/>
+          </a:bodyPr>
+          <a:lstStyle/>
+          <a:p>
+            <a:pPr marL="0" lvl="0" indent="0" algn="l" rtl="0">
+              <a:spcBef>
+                <a:spcPts val="0"/>
+              </a:spcBef>
+              <a:spcAft>
+                <a:spcPts val="0"/>
+              </a:spcAft>
+              <a:buNone/>
+            </a:pPr>
+            <a:endParaRPr/>
+          </a:p>
+        </p:txBody>
+      </p:sp>
+    </p:spTree>
+    <p:extLst>
+      <p:ext uri="{BB962C8B-B14F-4D97-AF65-F5344CB8AC3E}">
+        <p14:creationId xmlns:p14="http://schemas.microsoft.com/office/powerpoint/2010/main" val="588074787"/>
+      </p:ext>
+    </p:extLst>
+  </p:cSld>
+  <p:clrMapOvr>
+    <a:masterClrMapping/>
+  </p:clrMapOvr>
+</p:notes>
+</file>
+
+<file path=ppt/notesSlides/notesSlide8.xml><?xml version="1.0" encoding="utf-8"?>
+<p:notes xmlns:a="http://schemas.openxmlformats.org/drawingml/2006/main" xmlns:r="http://schemas.openxmlformats.org/officeDocument/2006/relationships" xmlns:p="http://schemas.openxmlformats.org/presentationml/2006/main" showMasterSp="0" showMasterPhAnim="0">
+  <p:cSld>
+    <p:spTree>
+      <p:nvGrpSpPr>
+        <p:cNvPr id="1" name="Shape 229"/>
+        <p:cNvGrpSpPr/>
+        <p:nvPr/>
+      </p:nvGrpSpPr>
+      <p:grpSpPr>
+        <a:xfrm>
+          <a:off x="0" y="0"/>
+          <a:ext cx="0" cy="0"/>
+          <a:chOff x="0" y="0"/>
+          <a:chExt cx="0" cy="0"/>
+        </a:xfrm>
+      </p:grpSpPr>
+      <p:sp>
+        <p:nvSpPr>
+          <p:cNvPr id="230" name="Google Shape;230;p6:notes"/>
+          <p:cNvSpPr>
+            <a:spLocks noGrp="1" noRot="1" noChangeAspect="1"/>
+          </p:cNvSpPr>
+          <p:nvPr>
+            <p:ph type="sldImg" idx="2"/>
+          </p:nvPr>
+        </p:nvSpPr>
+        <p:spPr>
+          <a:xfrm>
+            <a:off x="381000" y="685800"/>
+            <a:ext cx="6096000" cy="3429000"/>
+          </a:xfrm>
+          <a:custGeom>
+            <a:avLst/>
+            <a:gdLst/>
+            <a:ahLst/>
+            <a:cxnLst/>
+            <a:rect l="l" t="t" r="r" b="b"/>
+            <a:pathLst>
+              <a:path w="120000" h="120000" extrusionOk="0">
+                <a:moveTo>
+                  <a:pt x="0" y="0"/>
+                </a:moveTo>
+                <a:lnTo>
+                  <a:pt x="120000" y="0"/>
+                </a:lnTo>
+                <a:lnTo>
+                  <a:pt x="120000" y="120000"/>
+                </a:lnTo>
+                <a:lnTo>
+                  <a:pt x="0" y="120000"/>
+                </a:lnTo>
+                <a:close/>
+              </a:path>
+            </a:pathLst>
+          </a:custGeom>
+          <a:noFill/>
+          <a:ln w="9525" cap="flat" cmpd="sng">
+            <a:solidFill>
+              <a:srgbClr val="000000"/>
+            </a:solidFill>
+            <a:prstDash val="solid"/>
+            <a:round/>
+            <a:headEnd type="none" w="sm" len="sm"/>
+            <a:tailEnd type="none" w="sm" len="sm"/>
+          </a:ln>
+        </p:spPr>
+      </p:sp>
+      <p:sp>
+        <p:nvSpPr>
+          <p:cNvPr id="231" name="Google Shape;231;p6:notes"/>
+          <p:cNvSpPr txBox="1">
+            <a:spLocks noGrp="1"/>
+          </p:cNvSpPr>
+          <p:nvPr>
+            <p:ph type="body" idx="1"/>
+          </p:nvPr>
+        </p:nvSpPr>
+        <p:spPr>
+          <a:xfrm>
+            <a:off x="685800" y="4343400"/>
+            <a:ext cx="5486400" cy="4114800"/>
+          </a:xfrm>
+          <a:prstGeom prst="rect">
+            <a:avLst/>
+          </a:prstGeom>
+          <a:noFill/>
+          <a:ln>
+            <a:noFill/>
+          </a:ln>
+        </p:spPr>
+        <p:txBody>
+          <a:bodyPr spcFirstLastPara="1" wrap="square" lIns="91425" tIns="91425" rIns="91425" bIns="91425" anchor="t" anchorCtr="0">
+            <a:noAutofit/>
+          </a:bodyPr>
+          <a:lstStyle/>
+          <a:p>
+            <a:pPr marL="0" lvl="0" indent="0" algn="l" rtl="0">
+              <a:spcBef>
+                <a:spcPts val="0"/>
+              </a:spcBef>
+              <a:spcAft>
+                <a:spcPts val="0"/>
+              </a:spcAft>
+              <a:buNone/>
+            </a:pPr>
+            <a:endParaRPr/>
+          </a:p>
+        </p:txBody>
+      </p:sp>
+    </p:spTree>
+    <p:extLst>
+      <p:ext uri="{BB962C8B-B14F-4D97-AF65-F5344CB8AC3E}">
+        <p14:creationId xmlns:p14="http://schemas.microsoft.com/office/powerpoint/2010/main" val="3376864090"/>
+      </p:ext>
+    </p:extLst>
+  </p:cSld>
+  <p:clrMapOvr>
+    <a:masterClrMapping/>
+  </p:clrMapOvr>
+</p:notes>
+</file>
+
+<file path=ppt/notesSlides/notesSlide9.xml><?xml version="1.0" encoding="utf-8"?>
 <p:notes xmlns:a="http://schemas.openxmlformats.org/drawingml/2006/main" xmlns:r="http://schemas.openxmlformats.org/officeDocument/2006/relationships" xmlns:p="http://schemas.openxmlformats.org/presentationml/2006/main" showMasterSp="0" showMasterPhAnim="0">
   <p:cSld>
     <p:spTree>
@@ -15210,7 +15458,7 @@
         <p:spPr>
           <a:xfrm>
             <a:off x="159591" y="179525"/>
-            <a:ext cx="1521924" cy="282737"/>
+            <a:ext cx="3051960" cy="282737"/>
           </a:xfrm>
           <a:prstGeom prst="rect">
             <a:avLst/>
@@ -15243,7 +15491,7 @@
                 </a:gradFill>
                 <a:latin typeface="Montserrat;600"/>
               </a:rPr>
-              <a:t>Background</a:t>
+              <a:t>Objective &amp; Background</a:t>
             </a:r>
             <a:endParaRPr b="0" i="0" dirty="0">
               <a:ln>
@@ -15265,6 +15513,36 @@
           </a:p>
         </p:txBody>
       </p:sp>
+      <p:pic>
+        <p:nvPicPr>
+          <p:cNvPr id="5" name="Picture 4">
+            <a:extLst>
+              <a:ext uri="{FF2B5EF4-FFF2-40B4-BE49-F238E27FC236}">
+                <a16:creationId xmlns:a16="http://schemas.microsoft.com/office/drawing/2014/main" id="{59F26AEF-4BC2-B582-5845-43594F94F7A8}"/>
+              </a:ext>
+            </a:extLst>
+          </p:cNvPr>
+          <p:cNvPicPr>
+            <a:picLocks noChangeAspect="1"/>
+          </p:cNvPicPr>
+          <p:nvPr/>
+        </p:nvPicPr>
+        <p:blipFill>
+          <a:blip r:embed="rId3"/>
+          <a:stretch>
+            <a:fillRect/>
+          </a:stretch>
+        </p:blipFill>
+        <p:spPr>
+          <a:xfrm>
+            <a:off x="1476286" y="3178098"/>
+            <a:ext cx="6191428" cy="1865041"/>
+          </a:xfrm>
+          <a:prstGeom prst="rect">
+            <a:avLst/>
+          </a:prstGeom>
+        </p:spPr>
+      </p:pic>
       <p:sp>
         <p:nvSpPr>
           <p:cNvPr id="215" name="Google Shape;215;p45"/>
@@ -15273,8 +15551,8 @@
         </p:nvSpPr>
         <p:spPr>
           <a:xfrm>
-            <a:off x="523750" y="853675"/>
-            <a:ext cx="8171700" cy="2201759"/>
+            <a:off x="523750" y="613317"/>
+            <a:ext cx="8171700" cy="2665142"/>
           </a:xfrm>
           <a:prstGeom prst="roundRect">
             <a:avLst>
@@ -15322,25 +15600,16 @@
               <a:buChar char="●"/>
             </a:pPr>
             <a:r>
-              <a:rPr lang="en-SG" dirty="0">
+              <a:rPr lang="en-SG" b="1" dirty="0">
                 <a:solidFill>
-                  <a:schemeClr val="tx1"/>
+                  <a:srgbClr val="00B0F0"/>
                 </a:solidFill>
                 <a:latin typeface="Montserrat Medium"/>
                 <a:cs typeface="Montserrat Medium"/>
+                <a:sym typeface="Montserrat Medium"/>
               </a:rPr>
-              <a:t>Existing system on Microsoft Azure with microservices in Python and Golang, managed via Kubernetes.</a:t>
+              <a:t>Seamless ML integration</a:t>
             </a:r>
-          </a:p>
-          <a:p>
-            <a:pPr marL="457200" indent="-317500">
-              <a:lnSpc>
-                <a:spcPct val="150000"/>
-              </a:lnSpc>
-              <a:buSzPts val="1400"/>
-              <a:buFont typeface="Montserrat Medium"/>
-              <a:buChar char="●"/>
-            </a:pPr>
             <a:r>
               <a:rPr lang="en-SG" dirty="0">
                 <a:solidFill>
@@ -15350,7 +15619,83 @@
                 <a:cs typeface="Montserrat Medium"/>
                 <a:sym typeface="Montserrat Medium"/>
               </a:rPr>
-              <a:t>Target microservice: </a:t>
+              <a:t>: No frontend changes while backend services can be adjusted. New ML versions should not interrupt the frontend.</a:t>
+            </a:r>
+          </a:p>
+          <a:p>
+            <a:pPr marL="457200" marR="0" lvl="0" indent="-317500" algn="l" rtl="0">
+              <a:lnSpc>
+                <a:spcPct val="150000"/>
+              </a:lnSpc>
+              <a:spcBef>
+                <a:spcPts val="0"/>
+              </a:spcBef>
+              <a:spcAft>
+                <a:spcPts val="0"/>
+              </a:spcAft>
+              <a:buSzPts val="1400"/>
+              <a:buFont typeface="Montserrat Medium"/>
+              <a:buChar char="●"/>
+            </a:pPr>
+            <a:r>
+              <a:rPr lang="en-SG" b="1" dirty="0">
+                <a:solidFill>
+                  <a:srgbClr val="00B0F0"/>
+                </a:solidFill>
+                <a:latin typeface="Montserrat Medium"/>
+                <a:cs typeface="Montserrat Medium"/>
+                <a:sym typeface="Montserrat Medium"/>
+              </a:rPr>
+              <a:t>Infrastructure rollout</a:t>
+            </a:r>
+            <a:r>
+              <a:rPr lang="en-SG" dirty="0">
+                <a:solidFill>
+                  <a:schemeClr val="tx1"/>
+                </a:solidFill>
+                <a:latin typeface="Montserrat Medium"/>
+                <a:cs typeface="Montserrat Medium"/>
+                <a:sym typeface="Montserrat Medium"/>
+              </a:rPr>
+              <a:t>: Ensure effective training in terms of runtime and cost. </a:t>
+            </a:r>
+          </a:p>
+          <a:p>
+            <a:pPr marL="457200" marR="0" lvl="0" indent="-317500" algn="l" rtl="0">
+              <a:lnSpc>
+                <a:spcPct val="150000"/>
+              </a:lnSpc>
+              <a:spcBef>
+                <a:spcPts val="0"/>
+              </a:spcBef>
+              <a:spcAft>
+                <a:spcPts val="0"/>
+              </a:spcAft>
+              <a:buSzPts val="1400"/>
+              <a:buFont typeface="Montserrat Medium"/>
+              <a:buChar char="●"/>
+            </a:pPr>
+            <a:r>
+              <a:rPr lang="en-SG" b="1" dirty="0">
+                <a:solidFill>
+                  <a:srgbClr val="00B0F0"/>
+                </a:solidFill>
+                <a:latin typeface="Montserrat Medium"/>
+                <a:cs typeface="Montserrat Medium"/>
+                <a:sym typeface="Montserrat Medium"/>
+              </a:rPr>
+              <a:t>Automation focus:</a:t>
+            </a:r>
+            <a:r>
+              <a:rPr lang="en-SG" dirty="0">
+                <a:solidFill>
+                  <a:schemeClr val="tx1"/>
+                </a:solidFill>
+                <a:latin typeface="Montserrat Medium"/>
+                <a:cs typeface="Montserrat Medium"/>
+                <a:sym typeface="Montserrat Medium"/>
+              </a:rPr>
+              <a:t> </a:t>
             </a:r>
             <a:r>
               <a:rPr lang="en-SG" dirty="0" err="1">
@@ -15361,7 +15706,7 @@
                 <a:cs typeface="Montserrat Medium"/>
                 <a:sym typeface="Montserrat Medium"/>
               </a:rPr>
-              <a:t>BeerRecommender</a:t>
+              <a:t>GitOps</a:t>
             </a:r>
             <a:r>
               <a:rPr lang="en-SG" dirty="0">
@@ -15372,18 +15717,35 @@
                 <a:cs typeface="Montserrat Medium"/>
                 <a:sym typeface="Montserrat Medium"/>
               </a:rPr>
-              <a:t> REST API in Go, fetching recommendations from Inventory DB</a:t>
+              <a:t> approach for software lifecycle management.</a:t>
             </a:r>
           </a:p>
           <a:p>
-            <a:pPr marL="457200" indent="-317500">
+            <a:pPr marL="457200" marR="0" lvl="0" indent="-317500" algn="l" rtl="0">
               <a:lnSpc>
                 <a:spcPct val="150000"/>
               </a:lnSpc>
+              <a:spcBef>
+                <a:spcPts val="0"/>
+              </a:spcBef>
+              <a:spcAft>
+                <a:spcPts val="0"/>
+              </a:spcAft>
               <a:buSzPts val="1400"/>
               <a:buFont typeface="Montserrat Medium"/>
               <a:buChar char="●"/>
             </a:pPr>
+            <a:r>
+              <a:rPr lang="en-SG" b="1" dirty="0">
+                <a:solidFill>
+                  <a:srgbClr val="00B0F0"/>
+                </a:solidFill>
+                <a:latin typeface="Montserrat Medium"/>
+                <a:cs typeface="Montserrat Medium"/>
+                <a:sym typeface="Montserrat Medium"/>
+              </a:rPr>
+              <a:t>Proposed solution</a:t>
+            </a:r>
             <a:r>
               <a:rPr lang="en-SG" dirty="0">
                 <a:solidFill>
@@ -15393,41 +15755,33 @@
                 <a:cs typeface="Montserrat Medium"/>
                 <a:sym typeface="Montserrat Medium"/>
               </a:rPr>
-              <a:t>Objective: Integrate the ML model into the existing architecture without disrupting current operations.</a:t>
+              <a:t>: Utilize AWS for </a:t>
+            </a:r>
+            <a:r>
+              <a:rPr lang="en-SG" dirty="0" err="1">
+                <a:solidFill>
+                  <a:schemeClr val="tx1"/>
+                </a:solidFill>
+                <a:latin typeface="Montserrat Medium"/>
+                <a:cs typeface="Montserrat Medium"/>
+                <a:sym typeface="Montserrat Medium"/>
+              </a:rPr>
+              <a:t>MLOps</a:t>
+            </a:r>
+            <a:r>
+              <a:rPr lang="en-SG" dirty="0">
+                <a:solidFill>
+                  <a:schemeClr val="tx1"/>
+                </a:solidFill>
+                <a:latin typeface="Montserrat Medium"/>
+                <a:cs typeface="Montserrat Medium"/>
+                <a:sym typeface="Montserrat Medium"/>
+              </a:rPr>
+              <a:t> platform and endpoint, leveraging familiarity while keeping the frontend on Azure CDN, interacting with the AWS-hosted API.</a:t>
             </a:r>
           </a:p>
         </p:txBody>
       </p:sp>
-      <p:pic>
-        <p:nvPicPr>
-          <p:cNvPr id="5" name="Picture 4">
-            <a:extLst>
-              <a:ext uri="{FF2B5EF4-FFF2-40B4-BE49-F238E27FC236}">
-                <a16:creationId xmlns:a16="http://schemas.microsoft.com/office/drawing/2014/main" id="{59F26AEF-4BC2-B582-5845-43594F94F7A8}"/>
-              </a:ext>
-            </a:extLst>
-          </p:cNvPr>
-          <p:cNvPicPr>
-            <a:picLocks noChangeAspect="1"/>
-          </p:cNvPicPr>
-          <p:nvPr/>
-        </p:nvPicPr>
-        <p:blipFill>
-          <a:blip r:embed="rId3"/>
-          <a:stretch>
-            <a:fillRect/>
-          </a:stretch>
-        </p:blipFill>
-        <p:spPr>
-          <a:xfrm>
-            <a:off x="1476286" y="3178098"/>
-            <a:ext cx="6191428" cy="1865041"/>
-          </a:xfrm>
-          <a:prstGeom prst="rect">
-            <a:avLst/>
-          </a:prstGeom>
-        </p:spPr>
-      </p:pic>
     </p:spTree>
     <p:extLst>
       <p:ext uri="{BB962C8B-B14F-4D97-AF65-F5344CB8AC3E}">
@@ -15442,6 +15796,1191 @@
 </file>
 
 <file path=ppt/slides/slide3.xml><?xml version="1.0" encoding="utf-8"?>
+<p:sld xmlns:a="http://schemas.openxmlformats.org/drawingml/2006/main" xmlns:r="http://schemas.openxmlformats.org/officeDocument/2006/relationships" xmlns:p="http://schemas.openxmlformats.org/presentationml/2006/main">
+  <p:cSld>
+    <p:spTree>
+      <p:nvGrpSpPr>
+        <p:cNvPr id="1" name="Shape 213"/>
+        <p:cNvGrpSpPr/>
+        <p:nvPr/>
+      </p:nvGrpSpPr>
+      <p:grpSpPr>
+        <a:xfrm>
+          <a:off x="0" y="0"/>
+          <a:ext cx="0" cy="0"/>
+          <a:chOff x="0" y="0"/>
+          <a:chExt cx="0" cy="0"/>
+        </a:xfrm>
+      </p:grpSpPr>
+      <p:sp>
+        <p:nvSpPr>
+          <p:cNvPr id="214" name="Google Shape;214;p45"/>
+          <p:cNvSpPr/>
+          <p:nvPr/>
+        </p:nvSpPr>
+        <p:spPr>
+          <a:xfrm>
+            <a:off x="159590" y="179525"/>
+            <a:ext cx="2159864" cy="282737"/>
+          </a:xfrm>
+          <a:prstGeom prst="rect">
+            <a:avLst/>
+          </a:prstGeom>
+        </p:spPr>
+        <p:txBody>
+          <a:bodyPr>
+            <a:prstTxWarp prst="textPlain">
+              <a:avLst/>
+            </a:prstTxWarp>
+          </a:bodyPr>
+          <a:lstStyle/>
+          <a:p>
+            <a:pPr lvl="0" algn="ctr"/>
+            <a:r>
+              <a:rPr lang="en-US" dirty="0">
+                <a:gradFill>
+                  <a:gsLst>
+                    <a:gs pos="0">
+                      <a:srgbClr val="24B484"/>
+                    </a:gs>
+                    <a:gs pos="100000">
+                      <a:srgbClr val="223D7E"/>
+                    </a:gs>
+                  </a:gsLst>
+                  <a:lin ang="0" scaled="0"/>
+                </a:gradFill>
+                <a:latin typeface="Montserrat;600"/>
+              </a:rPr>
+              <a:t>CI/CD and Automation</a:t>
+            </a:r>
+            <a:endParaRPr b="0" i="0" dirty="0">
+              <a:ln>
+                <a:noFill/>
+              </a:ln>
+              <a:gradFill>
+                <a:gsLst>
+                  <a:gs pos="0">
+                    <a:srgbClr val="24B484"/>
+                  </a:gs>
+                  <a:gs pos="100000">
+                    <a:srgbClr val="223D7E"/>
+                  </a:gs>
+                </a:gsLst>
+                <a:lin ang="0" scaled="0"/>
+              </a:gradFill>
+              <a:latin typeface="Montserrat;600"/>
+            </a:endParaRPr>
+          </a:p>
+        </p:txBody>
+      </p:sp>
+      <p:sp>
+        <p:nvSpPr>
+          <p:cNvPr id="215" name="Google Shape;215;p45"/>
+          <p:cNvSpPr/>
+          <p:nvPr/>
+        </p:nvSpPr>
+        <p:spPr>
+          <a:xfrm>
+            <a:off x="568131" y="3051590"/>
+            <a:ext cx="8171700" cy="1912385"/>
+          </a:xfrm>
+          <a:prstGeom prst="roundRect">
+            <a:avLst>
+              <a:gd name="adj" fmla="val 16667"/>
+            </a:avLst>
+          </a:prstGeom>
+          <a:solidFill>
+            <a:srgbClr val="FFFFFF"/>
+          </a:solidFill>
+          <a:ln w="9525" cap="flat" cmpd="sng">
+            <a:solidFill>
+              <a:srgbClr val="355BAA"/>
+            </a:solidFill>
+            <a:prstDash val="solid"/>
+            <a:round/>
+            <a:headEnd type="none" w="sm" len="sm"/>
+            <a:tailEnd type="none" w="sm" len="sm"/>
+          </a:ln>
+          <a:effectLst>
+            <a:outerShdw blurRad="57150" dist="19050" dir="5400000" algn="bl" rotWithShape="0">
+              <a:srgbClr val="000000">
+                <a:alpha val="50000"/>
+              </a:srgbClr>
+            </a:outerShdw>
+          </a:effectLst>
+        </p:spPr>
+        <p:txBody>
+          <a:bodyPr spcFirstLastPara="1" wrap="square" lIns="91425" tIns="91425" rIns="91425" bIns="91425" anchor="ctr" anchorCtr="0">
+            <a:noAutofit/>
+          </a:bodyPr>
+          <a:lstStyle/>
+          <a:p>
+            <a:pPr marL="457200" marR="0" lvl="0" indent="-317500" algn="l" rtl="0">
+              <a:lnSpc>
+                <a:spcPct val="150000"/>
+              </a:lnSpc>
+              <a:spcBef>
+                <a:spcPts val="0"/>
+              </a:spcBef>
+              <a:spcAft>
+                <a:spcPts val="0"/>
+              </a:spcAft>
+              <a:buSzPts val="1400"/>
+              <a:buFont typeface="Montserrat Medium"/>
+              <a:buChar char="●"/>
+            </a:pPr>
+            <a:r>
+              <a:rPr lang="en-SG" dirty="0">
+                <a:solidFill>
+                  <a:schemeClr val="tx1"/>
+                </a:solidFill>
+                <a:latin typeface="Montserrat Medium"/>
+                <a:cs typeface="Montserrat Medium"/>
+              </a:rPr>
+              <a:t>Utilize </a:t>
+            </a:r>
+            <a:r>
+              <a:rPr lang="en-SG" b="1" dirty="0" err="1">
+                <a:solidFill>
+                  <a:srgbClr val="00B0F0"/>
+                </a:solidFill>
+                <a:latin typeface="Montserrat Medium"/>
+                <a:cs typeface="Montserrat Medium"/>
+              </a:rPr>
+              <a:t>CodePipeline</a:t>
+            </a:r>
+            <a:r>
+              <a:rPr lang="en-SG" b="1" dirty="0">
+                <a:solidFill>
+                  <a:srgbClr val="00B0F0"/>
+                </a:solidFill>
+                <a:latin typeface="Montserrat Medium"/>
+                <a:cs typeface="Montserrat Medium"/>
+              </a:rPr>
+              <a:t>, </a:t>
+            </a:r>
+            <a:r>
+              <a:rPr lang="en-SG" b="1" dirty="0" err="1">
+                <a:solidFill>
+                  <a:srgbClr val="00B0F0"/>
+                </a:solidFill>
+                <a:latin typeface="Montserrat Medium"/>
+                <a:cs typeface="Montserrat Medium"/>
+              </a:rPr>
+              <a:t>CodeCommit</a:t>
+            </a:r>
+            <a:r>
+              <a:rPr lang="en-SG" b="1" dirty="0">
+                <a:solidFill>
+                  <a:srgbClr val="00B0F0"/>
+                </a:solidFill>
+                <a:latin typeface="Montserrat Medium"/>
+                <a:cs typeface="Montserrat Medium"/>
+              </a:rPr>
+              <a:t>, and </a:t>
+            </a:r>
+            <a:r>
+              <a:rPr lang="en-SG" b="1" dirty="0" err="1">
+                <a:solidFill>
+                  <a:srgbClr val="00B0F0"/>
+                </a:solidFill>
+                <a:latin typeface="Montserrat Medium"/>
+                <a:cs typeface="Montserrat Medium"/>
+              </a:rPr>
+              <a:t>CodeBuild</a:t>
+            </a:r>
+            <a:r>
+              <a:rPr lang="en-SG" b="1" dirty="0">
+                <a:solidFill>
+                  <a:srgbClr val="00B0F0"/>
+                </a:solidFill>
+                <a:latin typeface="Montserrat Medium"/>
+                <a:cs typeface="Montserrat Medium"/>
+              </a:rPr>
+              <a:t> </a:t>
+            </a:r>
+            <a:r>
+              <a:rPr lang="en-SG" dirty="0">
+                <a:solidFill>
+                  <a:schemeClr val="tx1"/>
+                </a:solidFill>
+                <a:latin typeface="Montserrat Medium"/>
+                <a:cs typeface="Montserrat Medium"/>
+              </a:rPr>
+              <a:t>for Continuous Integration and Continuous Deployment (CI/CD) automation.</a:t>
+            </a:r>
+          </a:p>
+          <a:p>
+            <a:pPr marL="457200" marR="0" lvl="0" indent="-317500" algn="l" rtl="0">
+              <a:lnSpc>
+                <a:spcPct val="150000"/>
+              </a:lnSpc>
+              <a:spcBef>
+                <a:spcPts val="0"/>
+              </a:spcBef>
+              <a:spcAft>
+                <a:spcPts val="0"/>
+              </a:spcAft>
+              <a:buSzPts val="1400"/>
+              <a:buFont typeface="Montserrat Medium"/>
+              <a:buChar char="●"/>
+            </a:pPr>
+            <a:r>
+              <a:rPr lang="en-SG" dirty="0">
+                <a:solidFill>
+                  <a:schemeClr val="tx1"/>
+                </a:solidFill>
+                <a:latin typeface="Montserrat Medium"/>
+                <a:cs typeface="Montserrat Medium"/>
+                <a:sym typeface="Montserrat Medium"/>
+              </a:rPr>
+              <a:t>After code is merged/pushed to the main branch, </a:t>
+            </a:r>
+            <a:r>
+              <a:rPr lang="en-SG" dirty="0" err="1">
+                <a:solidFill>
+                  <a:schemeClr val="tx1"/>
+                </a:solidFill>
+                <a:latin typeface="Montserrat Medium"/>
+                <a:cs typeface="Montserrat Medium"/>
+                <a:sym typeface="Montserrat Medium"/>
+              </a:rPr>
+              <a:t>CodeBuild</a:t>
+            </a:r>
+            <a:r>
+              <a:rPr lang="en-SG" dirty="0">
+                <a:solidFill>
+                  <a:schemeClr val="tx1"/>
+                </a:solidFill>
+                <a:latin typeface="Montserrat Medium"/>
+                <a:cs typeface="Montserrat Medium"/>
+                <a:sym typeface="Montserrat Medium"/>
+              </a:rPr>
+              <a:t> is triggered for operation like </a:t>
+            </a:r>
+            <a:r>
+              <a:rPr lang="en-SG" b="1" dirty="0">
+                <a:solidFill>
+                  <a:schemeClr val="tx1"/>
+                </a:solidFill>
+                <a:latin typeface="Montserrat Medium"/>
+                <a:cs typeface="Montserrat Medium"/>
+                <a:sym typeface="Montserrat Medium"/>
+              </a:rPr>
+              <a:t>unit testing</a:t>
+            </a:r>
+            <a:r>
+              <a:rPr lang="en-SG" dirty="0">
+                <a:solidFill>
+                  <a:schemeClr val="tx1"/>
+                </a:solidFill>
+                <a:latin typeface="Montserrat Medium"/>
+                <a:cs typeface="Montserrat Medium"/>
+                <a:sym typeface="Montserrat Medium"/>
+              </a:rPr>
+              <a:t>, </a:t>
+            </a:r>
+            <a:r>
+              <a:rPr lang="en-SG" b="1" dirty="0">
+                <a:solidFill>
+                  <a:schemeClr val="tx1"/>
+                </a:solidFill>
+                <a:latin typeface="Montserrat Medium"/>
+                <a:cs typeface="Montserrat Medium"/>
+                <a:sym typeface="Montserrat Medium"/>
+              </a:rPr>
+              <a:t>containerization</a:t>
+            </a:r>
+            <a:r>
+              <a:rPr lang="en-SG" dirty="0">
+                <a:solidFill>
+                  <a:schemeClr val="tx1"/>
+                </a:solidFill>
+                <a:latin typeface="Montserrat Medium"/>
+                <a:cs typeface="Montserrat Medium"/>
+                <a:sym typeface="Montserrat Medium"/>
+              </a:rPr>
+              <a:t>, </a:t>
+            </a:r>
+            <a:r>
+              <a:rPr lang="en-SG" b="1" dirty="0">
+                <a:solidFill>
+                  <a:schemeClr val="tx1"/>
+                </a:solidFill>
+                <a:latin typeface="Montserrat Medium"/>
+                <a:cs typeface="Montserrat Medium"/>
+                <a:sym typeface="Montserrat Medium"/>
+              </a:rPr>
+              <a:t>submission of new job </a:t>
+            </a:r>
+            <a:r>
+              <a:rPr lang="en-SG" dirty="0">
+                <a:solidFill>
+                  <a:schemeClr val="tx1"/>
+                </a:solidFill>
+                <a:latin typeface="Montserrat Medium"/>
+                <a:cs typeface="Montserrat Medium"/>
+                <a:sym typeface="Montserrat Medium"/>
+              </a:rPr>
+              <a:t>and </a:t>
+            </a:r>
+            <a:r>
+              <a:rPr lang="en-SG" b="1" dirty="0">
+                <a:solidFill>
+                  <a:schemeClr val="tx1"/>
+                </a:solidFill>
+                <a:latin typeface="Montserrat Medium"/>
+                <a:cs typeface="Montserrat Medium"/>
+                <a:sym typeface="Montserrat Medium"/>
+              </a:rPr>
+              <a:t>deployment</a:t>
+            </a:r>
+            <a:r>
+              <a:rPr lang="en-SG" dirty="0">
+                <a:solidFill>
+                  <a:schemeClr val="tx1"/>
+                </a:solidFill>
+                <a:latin typeface="Montserrat Medium"/>
+                <a:cs typeface="Montserrat Medium"/>
+                <a:sym typeface="Montserrat Medium"/>
+              </a:rPr>
+              <a:t>.</a:t>
+            </a:r>
+          </a:p>
+        </p:txBody>
+      </p:sp>
+      <p:pic>
+        <p:nvPicPr>
+          <p:cNvPr id="2052" name="Picture 4">
+            <a:extLst>
+              <a:ext uri="{FF2B5EF4-FFF2-40B4-BE49-F238E27FC236}">
+                <a16:creationId xmlns:a16="http://schemas.microsoft.com/office/drawing/2014/main" id="{14CEC2EC-23C9-D17D-5AC2-82BAA0FFA2FA}"/>
+              </a:ext>
+            </a:extLst>
+          </p:cNvPr>
+          <p:cNvPicPr>
+            <a:picLocks noChangeAspect="1" noChangeArrowheads="1"/>
+          </p:cNvPicPr>
+          <p:nvPr/>
+        </p:nvPicPr>
+        <p:blipFill>
+          <a:blip r:embed="rId3">
+            <a:extLst>
+              <a:ext uri="{28A0092B-C50C-407E-A947-70E740481C1C}">
+                <a14:useLocalDpi xmlns:a14="http://schemas.microsoft.com/office/drawing/2010/main" val="0"/>
+              </a:ext>
+            </a:extLst>
+          </a:blip>
+          <a:srcRect/>
+          <a:stretch>
+            <a:fillRect/>
+          </a:stretch>
+        </p:blipFill>
+        <p:spPr bwMode="auto">
+          <a:xfrm>
+            <a:off x="1770491" y="579120"/>
+            <a:ext cx="5603017" cy="2351168"/>
+          </a:xfrm>
+          <a:prstGeom prst="rect">
+            <a:avLst/>
+          </a:prstGeom>
+          <a:noFill/>
+          <a:extLst>
+            <a:ext uri="{909E8E84-426E-40DD-AFC4-6F175D3DCCD1}">
+              <a14:hiddenFill xmlns:a14="http://schemas.microsoft.com/office/drawing/2010/main">
+                <a:solidFill>
+                  <a:srgbClr val="FFFFFF"/>
+                </a:solidFill>
+              </a14:hiddenFill>
+            </a:ext>
+          </a:extLst>
+        </p:spPr>
+      </p:pic>
+    </p:spTree>
+    <p:extLst>
+      <p:ext uri="{BB962C8B-B14F-4D97-AF65-F5344CB8AC3E}">
+        <p14:creationId xmlns:p14="http://schemas.microsoft.com/office/powerpoint/2010/main" val="2664385583"/>
+      </p:ext>
+    </p:extLst>
+  </p:cSld>
+  <p:clrMapOvr>
+    <a:masterClrMapping/>
+  </p:clrMapOvr>
+</p:sld>
+</file>
+
+<file path=ppt/slides/slide4.xml><?xml version="1.0" encoding="utf-8"?>
+<p:sld xmlns:a="http://schemas.openxmlformats.org/drawingml/2006/main" xmlns:r="http://schemas.openxmlformats.org/officeDocument/2006/relationships" xmlns:p="http://schemas.openxmlformats.org/presentationml/2006/main">
+  <p:cSld>
+    <p:spTree>
+      <p:nvGrpSpPr>
+        <p:cNvPr id="1" name="Shape 213"/>
+        <p:cNvGrpSpPr/>
+        <p:nvPr/>
+      </p:nvGrpSpPr>
+      <p:grpSpPr>
+        <a:xfrm>
+          <a:off x="0" y="0"/>
+          <a:ext cx="0" cy="0"/>
+          <a:chOff x="0" y="0"/>
+          <a:chExt cx="0" cy="0"/>
+        </a:xfrm>
+      </p:grpSpPr>
+      <p:sp>
+        <p:nvSpPr>
+          <p:cNvPr id="214" name="Google Shape;214;p45"/>
+          <p:cNvSpPr/>
+          <p:nvPr/>
+        </p:nvSpPr>
+        <p:spPr>
+          <a:xfrm>
+            <a:off x="159589" y="179525"/>
+            <a:ext cx="3029659" cy="282737"/>
+          </a:xfrm>
+          <a:prstGeom prst="rect">
+            <a:avLst/>
+          </a:prstGeom>
+        </p:spPr>
+        <p:txBody>
+          <a:bodyPr>
+            <a:prstTxWarp prst="textPlain">
+              <a:avLst/>
+            </a:prstTxWarp>
+          </a:bodyPr>
+          <a:lstStyle/>
+          <a:p>
+            <a:pPr lvl="0" algn="ctr"/>
+            <a:r>
+              <a:rPr lang="en-US" dirty="0">
+                <a:gradFill>
+                  <a:gsLst>
+                    <a:gs pos="0">
+                      <a:srgbClr val="24B484"/>
+                    </a:gs>
+                    <a:gs pos="100000">
+                      <a:srgbClr val="223D7E"/>
+                    </a:gs>
+                  </a:gsLst>
+                  <a:lin ang="0" scaled="0"/>
+                </a:gradFill>
+                <a:latin typeface="Montserrat;600"/>
+              </a:rPr>
+              <a:t>Seamless Training and Deployment</a:t>
+            </a:r>
+            <a:endParaRPr b="0" i="0" dirty="0">
+              <a:ln>
+                <a:noFill/>
+              </a:ln>
+              <a:gradFill>
+                <a:gsLst>
+                  <a:gs pos="0">
+                    <a:srgbClr val="24B484"/>
+                  </a:gs>
+                  <a:gs pos="100000">
+                    <a:srgbClr val="223D7E"/>
+                  </a:gs>
+                </a:gsLst>
+                <a:lin ang="0" scaled="0"/>
+              </a:gradFill>
+              <a:latin typeface="Montserrat;600"/>
+            </a:endParaRPr>
+          </a:p>
+        </p:txBody>
+      </p:sp>
+      <p:sp>
+        <p:nvSpPr>
+          <p:cNvPr id="215" name="Google Shape;215;p45"/>
+          <p:cNvSpPr/>
+          <p:nvPr/>
+        </p:nvSpPr>
+        <p:spPr>
+          <a:xfrm>
+            <a:off x="234535" y="697230"/>
+            <a:ext cx="4377249" cy="4006848"/>
+          </a:xfrm>
+          <a:prstGeom prst="roundRect">
+            <a:avLst>
+              <a:gd name="adj" fmla="val 16667"/>
+            </a:avLst>
+          </a:prstGeom>
+          <a:solidFill>
+            <a:srgbClr val="FFFFFF"/>
+          </a:solidFill>
+          <a:ln w="9525" cap="flat" cmpd="sng">
+            <a:solidFill>
+              <a:srgbClr val="355BAA"/>
+            </a:solidFill>
+            <a:prstDash val="solid"/>
+            <a:round/>
+            <a:headEnd type="none" w="sm" len="sm"/>
+            <a:tailEnd type="none" w="sm" len="sm"/>
+          </a:ln>
+          <a:effectLst>
+            <a:outerShdw blurRad="57150" dist="19050" dir="5400000" algn="bl" rotWithShape="0">
+              <a:srgbClr val="000000">
+                <a:alpha val="50000"/>
+              </a:srgbClr>
+            </a:outerShdw>
+          </a:effectLst>
+        </p:spPr>
+        <p:txBody>
+          <a:bodyPr spcFirstLastPara="1" wrap="square" lIns="91425" tIns="91425" rIns="91425" bIns="91425" anchor="ctr" anchorCtr="0">
+            <a:noAutofit/>
+          </a:bodyPr>
+          <a:lstStyle/>
+          <a:p>
+            <a:pPr marL="457200" indent="-317500">
+              <a:lnSpc>
+                <a:spcPct val="150000"/>
+              </a:lnSpc>
+              <a:buSzPts val="1400"/>
+              <a:buFont typeface="Montserrat Medium"/>
+              <a:buChar char="●"/>
+            </a:pPr>
+            <a:r>
+              <a:rPr lang="en-SG" sz="1200" b="1" dirty="0">
+                <a:solidFill>
+                  <a:srgbClr val="00B0F0"/>
+                </a:solidFill>
+                <a:latin typeface="Montserrat Medium"/>
+                <a:cs typeface="Montserrat Medium"/>
+              </a:rPr>
+              <a:t>Automated Model Training</a:t>
+            </a:r>
+            <a:r>
+              <a:rPr lang="en-SG" sz="1200" dirty="0">
+                <a:solidFill>
+                  <a:schemeClr val="tx1"/>
+                </a:solidFill>
+                <a:latin typeface="Montserrat Medium"/>
+                <a:cs typeface="Montserrat Medium"/>
+              </a:rPr>
+              <a:t>: </a:t>
+            </a:r>
+            <a:r>
+              <a:rPr lang="en-SG" sz="1200" dirty="0" err="1">
+                <a:solidFill>
+                  <a:schemeClr val="tx1"/>
+                </a:solidFill>
+                <a:latin typeface="Montserrat Medium"/>
+                <a:cs typeface="Montserrat Medium"/>
+              </a:rPr>
+              <a:t>SageMaker</a:t>
+            </a:r>
+            <a:r>
+              <a:rPr lang="en-SG" sz="1200" dirty="0">
+                <a:solidFill>
+                  <a:schemeClr val="tx1"/>
+                </a:solidFill>
+                <a:latin typeface="Montserrat Medium"/>
+                <a:cs typeface="Montserrat Medium"/>
+              </a:rPr>
+              <a:t> training and processing jobs auto-triggered via </a:t>
+            </a:r>
+            <a:r>
+              <a:rPr lang="en-SG" sz="1200" dirty="0" err="1">
+                <a:solidFill>
+                  <a:schemeClr val="tx1"/>
+                </a:solidFill>
+                <a:latin typeface="Montserrat Medium"/>
+                <a:cs typeface="Montserrat Medium"/>
+              </a:rPr>
+              <a:t>CodeBuild</a:t>
+            </a:r>
+            <a:r>
+              <a:rPr lang="en-SG" sz="1200" dirty="0">
+                <a:solidFill>
+                  <a:schemeClr val="tx1"/>
+                </a:solidFill>
+                <a:latin typeface="Montserrat Medium"/>
+                <a:cs typeface="Montserrat Medium"/>
+              </a:rPr>
+              <a:t>.</a:t>
+            </a:r>
+          </a:p>
+          <a:p>
+            <a:pPr marL="457200" indent="-317500">
+              <a:lnSpc>
+                <a:spcPct val="150000"/>
+              </a:lnSpc>
+              <a:buSzPts val="1400"/>
+              <a:buFont typeface="Montserrat Medium"/>
+              <a:buChar char="●"/>
+            </a:pPr>
+            <a:r>
+              <a:rPr lang="en-SG" sz="1200" b="1" dirty="0">
+                <a:solidFill>
+                  <a:srgbClr val="00B0F0"/>
+                </a:solidFill>
+                <a:latin typeface="Montserrat Medium"/>
+                <a:cs typeface="Montserrat Medium"/>
+              </a:rPr>
+              <a:t>Model Approval Process: </a:t>
+            </a:r>
+            <a:r>
+              <a:rPr lang="en-SG" sz="1200" dirty="0">
+                <a:solidFill>
+                  <a:schemeClr val="tx1"/>
+                </a:solidFill>
+                <a:latin typeface="Montserrat Medium"/>
+                <a:cs typeface="Montserrat Medium"/>
+              </a:rPr>
+              <a:t>Uploaded model requires user approval in the model registry.</a:t>
+            </a:r>
+          </a:p>
+          <a:p>
+            <a:pPr marL="457200" indent="-317500">
+              <a:lnSpc>
+                <a:spcPct val="150000"/>
+              </a:lnSpc>
+              <a:buSzPts val="1400"/>
+              <a:buFont typeface="Montserrat Medium"/>
+              <a:buChar char="●"/>
+            </a:pPr>
+            <a:r>
+              <a:rPr lang="en-SG" sz="1200" b="1" dirty="0">
+                <a:solidFill>
+                  <a:srgbClr val="00B0F0"/>
+                </a:solidFill>
+                <a:latin typeface="Montserrat Medium"/>
+                <a:cs typeface="Montserrat Medium"/>
+              </a:rPr>
+              <a:t>Auto-Rollback Mechanism</a:t>
+            </a:r>
+            <a:r>
+              <a:rPr lang="en-SG" sz="1200" dirty="0">
+                <a:solidFill>
+                  <a:schemeClr val="tx1"/>
+                </a:solidFill>
+                <a:latin typeface="Montserrat Medium"/>
+                <a:cs typeface="Montserrat Medium"/>
+              </a:rPr>
+              <a:t>: If issues arise, </a:t>
+            </a:r>
+            <a:r>
+              <a:rPr lang="en-SG" sz="1200" dirty="0" err="1">
+                <a:solidFill>
+                  <a:schemeClr val="tx1"/>
+                </a:solidFill>
+                <a:latin typeface="Montserrat Medium"/>
+                <a:cs typeface="Montserrat Medium"/>
+              </a:rPr>
+              <a:t>SageMaker</a:t>
+            </a:r>
+            <a:r>
+              <a:rPr lang="en-SG" sz="1200" dirty="0">
+                <a:solidFill>
+                  <a:schemeClr val="tx1"/>
+                </a:solidFill>
+                <a:latin typeface="Montserrat Medium"/>
+                <a:cs typeface="Montserrat Medium"/>
+              </a:rPr>
+              <a:t> triggers auto rollback to the previous fleet, ensuring endpoint availability and minimizing production impact.</a:t>
+            </a:r>
+          </a:p>
+        </p:txBody>
+      </p:sp>
+      <p:grpSp>
+        <p:nvGrpSpPr>
+          <p:cNvPr id="4" name="Group 3">
+            <a:extLst>
+              <a:ext uri="{FF2B5EF4-FFF2-40B4-BE49-F238E27FC236}">
+                <a16:creationId xmlns:a16="http://schemas.microsoft.com/office/drawing/2014/main" id="{C0C78F56-A3BC-8D36-F8A0-A3C4CB873BA9}"/>
+              </a:ext>
+            </a:extLst>
+          </p:cNvPr>
+          <p:cNvGrpSpPr/>
+          <p:nvPr/>
+        </p:nvGrpSpPr>
+        <p:grpSpPr>
+          <a:xfrm>
+            <a:off x="4868603" y="568325"/>
+            <a:ext cx="4040862" cy="3345753"/>
+            <a:chOff x="4249698" y="686436"/>
+            <a:chExt cx="4740632" cy="4006849"/>
+          </a:xfrm>
+        </p:grpSpPr>
+        <p:pic>
+          <p:nvPicPr>
+            <p:cNvPr id="2" name="Picture 1">
+              <a:extLst>
+                <a:ext uri="{FF2B5EF4-FFF2-40B4-BE49-F238E27FC236}">
+                  <a16:creationId xmlns:a16="http://schemas.microsoft.com/office/drawing/2014/main" id="{D04967F3-8D1E-8C54-D7AA-5D5B4138A329}"/>
+                </a:ext>
+              </a:extLst>
+            </p:cNvPr>
+            <p:cNvPicPr>
+              <a:picLocks noChangeAspect="1"/>
+            </p:cNvPicPr>
+            <p:nvPr/>
+          </p:nvPicPr>
+          <p:blipFill>
+            <a:blip r:embed="rId3"/>
+            <a:stretch>
+              <a:fillRect/>
+            </a:stretch>
+          </p:blipFill>
+          <p:spPr>
+            <a:xfrm>
+              <a:off x="4249698" y="686436"/>
+              <a:ext cx="4740632" cy="4006849"/>
+            </a:xfrm>
+            <a:prstGeom prst="rect">
+              <a:avLst/>
+            </a:prstGeom>
+          </p:spPr>
+        </p:pic>
+        <p:sp>
+          <p:nvSpPr>
+            <p:cNvPr id="3" name="TextBox 2">
+              <a:extLst>
+                <a:ext uri="{FF2B5EF4-FFF2-40B4-BE49-F238E27FC236}">
+                  <a16:creationId xmlns:a16="http://schemas.microsoft.com/office/drawing/2014/main" id="{AEFE593B-5457-C5C9-48E1-C0A28C52F7CA}"/>
+                </a:ext>
+              </a:extLst>
+            </p:cNvPr>
+            <p:cNvSpPr txBox="1"/>
+            <p:nvPr/>
+          </p:nvSpPr>
+          <p:spPr>
+            <a:xfrm>
+              <a:off x="4472940" y="1951255"/>
+              <a:ext cx="1623058" cy="313302"/>
+            </a:xfrm>
+            <a:prstGeom prst="rect">
+              <a:avLst/>
+            </a:prstGeom>
+            <a:solidFill>
+              <a:schemeClr val="bg1"/>
+            </a:solidFill>
+          </p:spPr>
+          <p:txBody>
+            <a:bodyPr wrap="square" rtlCol="0">
+              <a:spAutoFit/>
+            </a:bodyPr>
+            <a:lstStyle/>
+            <a:p>
+              <a:pPr algn="ctr"/>
+              <a:r>
+                <a:rPr lang="en-US" sz="1050" dirty="0">
+                  <a:latin typeface="Chalkduster" panose="03050602040202020205" pitchFamily="66" charset="77"/>
+                  <a:cs typeface="Blackadder ITC" panose="020F0502020204030204" pitchFamily="34" charset="0"/>
+                </a:rPr>
+                <a:t>ECR Image</a:t>
+              </a:r>
+              <a:endParaRPr sz="1050" dirty="0">
+                <a:latin typeface="Chalkduster" panose="03050602040202020205" pitchFamily="66" charset="77"/>
+                <a:cs typeface="Blackadder ITC" panose="020F0502020204030204" pitchFamily="34" charset="0"/>
+              </a:endParaRPr>
+            </a:p>
+          </p:txBody>
+        </p:sp>
+      </p:grpSp>
+      <p:pic>
+        <p:nvPicPr>
+          <p:cNvPr id="7" name="Picture 6">
+            <a:extLst>
+              <a:ext uri="{FF2B5EF4-FFF2-40B4-BE49-F238E27FC236}">
+                <a16:creationId xmlns:a16="http://schemas.microsoft.com/office/drawing/2014/main" id="{7991C7B3-C7CD-CAB1-D924-AF0BAA19FD8A}"/>
+              </a:ext>
+            </a:extLst>
+          </p:cNvPr>
+          <p:cNvPicPr>
+            <a:picLocks noChangeAspect="1"/>
+          </p:cNvPicPr>
+          <p:nvPr/>
+        </p:nvPicPr>
+        <p:blipFill rotWithShape="1">
+          <a:blip r:embed="rId4"/>
+          <a:srcRect l="37805"/>
+          <a:stretch/>
+        </p:blipFill>
+        <p:spPr>
+          <a:xfrm>
+            <a:off x="6211229" y="4162006"/>
+            <a:ext cx="2208871" cy="826338"/>
+          </a:xfrm>
+          <a:prstGeom prst="rect">
+            <a:avLst/>
+          </a:prstGeom>
+        </p:spPr>
+      </p:pic>
+      <p:cxnSp>
+        <p:nvCxnSpPr>
+          <p:cNvPr id="9" name="Straight Arrow Connector 8">
+            <a:extLst>
+              <a:ext uri="{FF2B5EF4-FFF2-40B4-BE49-F238E27FC236}">
+                <a16:creationId xmlns:a16="http://schemas.microsoft.com/office/drawing/2014/main" id="{7D538B2E-0EAD-CE89-012D-9B2CCF02826D}"/>
+              </a:ext>
+            </a:extLst>
+          </p:cNvPr>
+          <p:cNvCxnSpPr>
+            <a:cxnSpLocks/>
+          </p:cNvCxnSpPr>
+          <p:nvPr/>
+        </p:nvCxnSpPr>
+        <p:spPr>
+          <a:xfrm>
+            <a:off x="8084636" y="3813717"/>
+            <a:ext cx="0" cy="404044"/>
+          </a:xfrm>
+          <a:prstGeom prst="straightConnector1">
+            <a:avLst/>
+          </a:prstGeom>
+          <a:ln w="19050" cap="flat" cmpd="sng" algn="ctr">
+            <a:solidFill>
+              <a:schemeClr val="dk1"/>
+            </a:solidFill>
+            <a:prstDash val="solid"/>
+            <a:round/>
+            <a:headEnd type="none" w="med" len="med"/>
+            <a:tailEnd type="arrow" w="med" len="med"/>
+          </a:ln>
+        </p:spPr>
+        <p:style>
+          <a:lnRef idx="0">
+            <a:scrgbClr r="0" g="0" b="0"/>
+          </a:lnRef>
+          <a:fillRef idx="0">
+            <a:scrgbClr r="0" g="0" b="0"/>
+          </a:fillRef>
+          <a:effectRef idx="0">
+            <a:scrgbClr r="0" g="0" b="0"/>
+          </a:effectRef>
+          <a:fontRef idx="minor">
+            <a:schemeClr val="tx1"/>
+          </a:fontRef>
+        </p:style>
+      </p:cxnSp>
+      <p:sp>
+        <p:nvSpPr>
+          <p:cNvPr id="11" name="Rectangle 10">
+            <a:extLst>
+              <a:ext uri="{FF2B5EF4-FFF2-40B4-BE49-F238E27FC236}">
+                <a16:creationId xmlns:a16="http://schemas.microsoft.com/office/drawing/2014/main" id="{C270A21C-8DD2-5865-3529-2667F9FE2E36}"/>
+              </a:ext>
+            </a:extLst>
+          </p:cNvPr>
+          <p:cNvSpPr/>
+          <p:nvPr/>
+        </p:nvSpPr>
+        <p:spPr>
+          <a:xfrm>
+            <a:off x="4984594" y="4943740"/>
+            <a:ext cx="446049" cy="155156"/>
+          </a:xfrm>
+          <a:prstGeom prst="rect">
+            <a:avLst/>
+          </a:prstGeom>
+          <a:solidFill>
+            <a:schemeClr val="bg1"/>
+          </a:solidFill>
+          <a:ln>
+            <a:noFill/>
+          </a:ln>
+        </p:spPr>
+        <p:style>
+          <a:lnRef idx="2">
+            <a:schemeClr val="accent1">
+              <a:shade val="15000"/>
+            </a:schemeClr>
+          </a:lnRef>
+          <a:fillRef idx="1">
+            <a:schemeClr val="accent1"/>
+          </a:fillRef>
+          <a:effectRef idx="0">
+            <a:schemeClr val="accent1"/>
+          </a:effectRef>
+          <a:fontRef idx="minor">
+            <a:schemeClr val="lt1"/>
+          </a:fontRef>
+        </p:style>
+        <p:txBody>
+          <a:bodyPr rtlCol="0" anchor="ctr"/>
+          <a:lstStyle/>
+          <a:p>
+            <a:pPr algn="ctr"/>
+            <a:endParaRPr/>
+          </a:p>
+        </p:txBody>
+      </p:sp>
+      <p:sp>
+        <p:nvSpPr>
+          <p:cNvPr id="13" name="TextBox 12">
+            <a:extLst>
+              <a:ext uri="{FF2B5EF4-FFF2-40B4-BE49-F238E27FC236}">
+                <a16:creationId xmlns:a16="http://schemas.microsoft.com/office/drawing/2014/main" id="{E2F87CE4-C9D0-9253-E100-1AD9E9ECE5EF}"/>
+              </a:ext>
+            </a:extLst>
+          </p:cNvPr>
+          <p:cNvSpPr txBox="1"/>
+          <p:nvPr/>
+        </p:nvSpPr>
+        <p:spPr>
+          <a:xfrm>
+            <a:off x="7985181" y="3926092"/>
+            <a:ext cx="1025004" cy="261610"/>
+          </a:xfrm>
+          <a:prstGeom prst="rect">
+            <a:avLst/>
+          </a:prstGeom>
+          <a:noFill/>
+        </p:spPr>
+        <p:txBody>
+          <a:bodyPr wrap="square" rtlCol="0">
+            <a:spAutoFit/>
+          </a:bodyPr>
+          <a:lstStyle/>
+          <a:p>
+            <a:pPr algn="ctr"/>
+            <a:r>
+              <a:rPr lang="en-US" sz="1050" dirty="0">
+                <a:latin typeface="Chalkduster" panose="03050602040202020205" pitchFamily="66" charset="77"/>
+                <a:cs typeface="Blackadder ITC" panose="020F0502020204030204" pitchFamily="34" charset="0"/>
+              </a:rPr>
+              <a:t>Approval</a:t>
+            </a:r>
+            <a:endParaRPr sz="1050" dirty="0">
+              <a:latin typeface="Chalkduster" panose="03050602040202020205" pitchFamily="66" charset="77"/>
+              <a:cs typeface="Blackadder ITC" panose="020F0502020204030204" pitchFamily="34" charset="0"/>
+            </a:endParaRPr>
+          </a:p>
+        </p:txBody>
+      </p:sp>
+      <p:pic>
+        <p:nvPicPr>
+          <p:cNvPr id="14" name="Picture 13">
+            <a:extLst>
+              <a:ext uri="{FF2B5EF4-FFF2-40B4-BE49-F238E27FC236}">
+                <a16:creationId xmlns:a16="http://schemas.microsoft.com/office/drawing/2014/main" id="{ED1CFF68-C3EC-C104-A1E1-3AF9BA899081}"/>
+              </a:ext>
+            </a:extLst>
+          </p:cNvPr>
+          <p:cNvPicPr>
+            <a:picLocks noChangeAspect="1"/>
+          </p:cNvPicPr>
+          <p:nvPr/>
+        </p:nvPicPr>
+        <p:blipFill rotWithShape="1">
+          <a:blip r:embed="rId4"/>
+          <a:srcRect l="224" t="-2880" r="84487" b="2880"/>
+          <a:stretch/>
+        </p:blipFill>
+        <p:spPr>
+          <a:xfrm>
+            <a:off x="5621144" y="4117402"/>
+            <a:ext cx="542981" cy="826338"/>
+          </a:xfrm>
+          <a:prstGeom prst="rect">
+            <a:avLst/>
+          </a:prstGeom>
+        </p:spPr>
+      </p:pic>
+    </p:spTree>
+    <p:extLst>
+      <p:ext uri="{BB962C8B-B14F-4D97-AF65-F5344CB8AC3E}">
+        <p14:creationId xmlns:p14="http://schemas.microsoft.com/office/powerpoint/2010/main" val="2684294706"/>
+      </p:ext>
+    </p:extLst>
+  </p:cSld>
+  <p:clrMapOvr>
+    <a:masterClrMapping/>
+  </p:clrMapOvr>
+  <p:timing>
+    <p:tnLst>
+      <p:par>
+        <p:cTn id="1" dur="indefinite" restart="never" nodeType="tmRoot">
+          <p:childTnLst>
+            <p:seq concurrent="1" nextAc="seek">
+              <p:cTn id="2" dur="indefinite" nodeType="mainSeq">
+                <p:childTnLst>
+                  <p:par>
+                    <p:cTn id="3" fill="hold">
+                      <p:stCondLst>
+                        <p:cond delay="indefinite"/>
+                      </p:stCondLst>
+                      <p:childTnLst>
+                        <p:par>
+                          <p:cTn id="4" fill="hold">
+                            <p:stCondLst>
+                              <p:cond delay="0"/>
+                            </p:stCondLst>
+                            <p:childTnLst>
+                              <p:par>
+                                <p:cTn id="5" presetID="14" presetClass="entr" presetSubtype="10" fill="hold" nodeType="clickEffect">
+                                  <p:stCondLst>
+                                    <p:cond delay="0"/>
+                                  </p:stCondLst>
+                                  <p:childTnLst>
+                                    <p:set>
+                                      <p:cBhvr>
+                                        <p:cTn id="6" dur="1" fill="hold">
+                                          <p:stCondLst>
+                                            <p:cond delay="0"/>
+                                          </p:stCondLst>
+                                        </p:cTn>
+                                        <p:tgtEl>
+                                          <p:spTgt spid="9"/>
+                                        </p:tgtEl>
+                                        <p:attrNameLst>
+                                          <p:attrName>style.visibility</p:attrName>
+                                        </p:attrNameLst>
+                                      </p:cBhvr>
+                                      <p:to>
+                                        <p:strVal val="visible"/>
+                                      </p:to>
+                                    </p:set>
+                                    <p:animEffect transition="in" filter="randombar(horizontal)">
+                                      <p:cBhvr>
+                                        <p:cTn id="7" dur="500"/>
+                                        <p:tgtEl>
+                                          <p:spTgt spid="9"/>
+                                        </p:tgtEl>
+                                      </p:cBhvr>
+                                    </p:animEffect>
+                                  </p:childTnLst>
+                                </p:cTn>
+                              </p:par>
+                              <p:par>
+                                <p:cTn id="8" presetID="14" presetClass="entr" presetSubtype="10" fill="hold" nodeType="withEffect">
+                                  <p:stCondLst>
+                                    <p:cond delay="0"/>
+                                  </p:stCondLst>
+                                  <p:childTnLst>
+                                    <p:set>
+                                      <p:cBhvr>
+                                        <p:cTn id="9" dur="1" fill="hold">
+                                          <p:stCondLst>
+                                            <p:cond delay="0"/>
+                                          </p:stCondLst>
+                                        </p:cTn>
+                                        <p:tgtEl>
+                                          <p:spTgt spid="7"/>
+                                        </p:tgtEl>
+                                        <p:attrNameLst>
+                                          <p:attrName>style.visibility</p:attrName>
+                                        </p:attrNameLst>
+                                      </p:cBhvr>
+                                      <p:to>
+                                        <p:strVal val="visible"/>
+                                      </p:to>
+                                    </p:set>
+                                    <p:animEffect transition="in" filter="randombar(horizontal)">
+                                      <p:cBhvr>
+                                        <p:cTn id="10" dur="500"/>
+                                        <p:tgtEl>
+                                          <p:spTgt spid="7"/>
+                                        </p:tgtEl>
+                                      </p:cBhvr>
+                                    </p:animEffect>
+                                  </p:childTnLst>
+                                </p:cTn>
+                              </p:par>
+                              <p:par>
+                                <p:cTn id="11" presetID="14" presetClass="entr" presetSubtype="10" fill="hold" grpId="0" nodeType="withEffect">
+                                  <p:stCondLst>
+                                    <p:cond delay="0"/>
+                                  </p:stCondLst>
+                                  <p:childTnLst>
+                                    <p:set>
+                                      <p:cBhvr>
+                                        <p:cTn id="12" dur="1" fill="hold">
+                                          <p:stCondLst>
+                                            <p:cond delay="0"/>
+                                          </p:stCondLst>
+                                        </p:cTn>
+                                        <p:tgtEl>
+                                          <p:spTgt spid="13"/>
+                                        </p:tgtEl>
+                                        <p:attrNameLst>
+                                          <p:attrName>style.visibility</p:attrName>
+                                        </p:attrNameLst>
+                                      </p:cBhvr>
+                                      <p:to>
+                                        <p:strVal val="visible"/>
+                                      </p:to>
+                                    </p:set>
+                                    <p:animEffect transition="in" filter="randombar(horizontal)">
+                                      <p:cBhvr>
+                                        <p:cTn id="13" dur="500"/>
+                                        <p:tgtEl>
+                                          <p:spTgt spid="13"/>
+                                        </p:tgtEl>
+                                      </p:cBhvr>
+                                    </p:animEffect>
+                                  </p:childTnLst>
+                                </p:cTn>
+                              </p:par>
+                              <p:par>
+                                <p:cTn id="14" presetID="14" presetClass="entr" presetSubtype="10" fill="hold" nodeType="withEffect">
+                                  <p:stCondLst>
+                                    <p:cond delay="0"/>
+                                  </p:stCondLst>
+                                  <p:childTnLst>
+                                    <p:set>
+                                      <p:cBhvr>
+                                        <p:cTn id="15" dur="1" fill="hold">
+                                          <p:stCondLst>
+                                            <p:cond delay="0"/>
+                                          </p:stCondLst>
+                                        </p:cTn>
+                                        <p:tgtEl>
+                                          <p:spTgt spid="14"/>
+                                        </p:tgtEl>
+                                        <p:attrNameLst>
+                                          <p:attrName>style.visibility</p:attrName>
+                                        </p:attrNameLst>
+                                      </p:cBhvr>
+                                      <p:to>
+                                        <p:strVal val="visible"/>
+                                      </p:to>
+                                    </p:set>
+                                    <p:animEffect transition="in" filter="randombar(horizontal)">
+                                      <p:cBhvr>
+                                        <p:cTn id="16" dur="500"/>
+                                        <p:tgtEl>
+                                          <p:spTgt spid="14"/>
+                                        </p:tgtEl>
+                                      </p:cBhvr>
+                                    </p:animEffect>
+                                  </p:childTnLst>
+                                </p:cTn>
+                              </p:par>
+                            </p:childTnLst>
+                          </p:cTn>
+                        </p:par>
+                      </p:childTnLst>
+                    </p:cTn>
+                  </p:par>
+                </p:childTnLst>
+              </p:cTn>
+              <p:prevCondLst>
+                <p:cond evt="onPrev" delay="0">
+                  <p:tgtEl>
+                    <p:sldTgt/>
+                  </p:tgtEl>
+                </p:cond>
+              </p:prevCondLst>
+              <p:nextCondLst>
+                <p:cond evt="onNext" delay="0">
+                  <p:tgtEl>
+                    <p:sldTgt/>
+                  </p:tgtEl>
+                </p:cond>
+              </p:nextCondLst>
+            </p:seq>
+          </p:childTnLst>
+        </p:cTn>
+      </p:par>
+    </p:tnLst>
+    <p:bldLst>
+      <p:bldP spid="13" grpId="0"/>
+    </p:bldLst>
+  </p:timing>
+</p:sld>
+</file>
+
+<file path=ppt/slides/slide5.xml><?xml version="1.0" encoding="utf-8"?>
 <p:sld xmlns:a="http://schemas.openxmlformats.org/drawingml/2006/main" xmlns:r="http://schemas.openxmlformats.org/officeDocument/2006/relationships" xmlns:p="http://schemas.openxmlformats.org/presentationml/2006/main">
   <p:cSld>
     <p:spTree>
@@ -15634,8 +17173,8 @@
         </p:blipFill>
         <p:spPr>
           <a:xfrm>
-            <a:off x="127285" y="699761"/>
-            <a:ext cx="8584630" cy="3743978"/>
+            <a:off x="0" y="601083"/>
+            <a:ext cx="9144000" cy="4106415"/>
           </a:xfrm>
           <a:prstGeom prst="rect">
             <a:avLst/>
@@ -15656,7 +17195,7 @@
         </p:nvSpPr>
         <p:spPr>
           <a:xfrm>
-            <a:off x="8042003" y="2654291"/>
+            <a:off x="8239008" y="2738050"/>
             <a:ext cx="954107" cy="276999"/>
           </a:xfrm>
           <a:prstGeom prst="rect">
@@ -15689,874 +17228,54 @@
           </a:p>
         </p:txBody>
       </p:sp>
-    </p:spTree>
-    <p:extLst>
-      <p:ext uri="{BB962C8B-B14F-4D97-AF65-F5344CB8AC3E}">
-        <p14:creationId xmlns:p14="http://schemas.microsoft.com/office/powerpoint/2010/main" val="1239435581"/>
-      </p:ext>
-    </p:extLst>
-  </p:cSld>
-  <p:clrMapOvr>
-    <a:masterClrMapping/>
-  </p:clrMapOvr>
-</p:sld>
-</file>
-
-<file path=ppt/slides/slide4.xml><?xml version="1.0" encoding="utf-8"?>
-<p:sld xmlns:a="http://schemas.openxmlformats.org/drawingml/2006/main" xmlns:r="http://schemas.openxmlformats.org/officeDocument/2006/relationships" xmlns:p="http://schemas.openxmlformats.org/presentationml/2006/main">
-  <p:cSld>
-    <p:spTree>
-      <p:nvGrpSpPr>
-        <p:cNvPr id="1" name="Shape 213"/>
-        <p:cNvGrpSpPr/>
-        <p:nvPr/>
-      </p:nvGrpSpPr>
-      <p:grpSpPr>
-        <a:xfrm>
-          <a:off x="0" y="0"/>
-          <a:ext cx="0" cy="0"/>
-          <a:chOff x="0" y="0"/>
-          <a:chExt cx="0" cy="0"/>
-        </a:xfrm>
-      </p:grpSpPr>
       <p:sp>
         <p:nvSpPr>
-          <p:cNvPr id="214" name="Google Shape;214;p45"/>
-          <p:cNvSpPr/>
+          <p:cNvPr id="4" name="TextBox 3">
+            <a:extLst>
+              <a:ext uri="{FF2B5EF4-FFF2-40B4-BE49-F238E27FC236}">
+                <a16:creationId xmlns:a16="http://schemas.microsoft.com/office/drawing/2014/main" id="{99F7E800-DDD6-52C0-E6A7-59BCD05D6042}"/>
+              </a:ext>
+            </a:extLst>
+          </p:cNvPr>
+          <p:cNvSpPr txBox="1"/>
           <p:nvPr/>
         </p:nvSpPr>
         <p:spPr>
           <a:xfrm>
-            <a:off x="159590" y="179525"/>
-            <a:ext cx="1913049" cy="282737"/>
-          </a:xfrm>
-          <a:prstGeom prst="rect">
-            <a:avLst/>
-          </a:prstGeom>
-        </p:spPr>
-        <p:txBody>
-          <a:bodyPr>
-            <a:prstTxWarp prst="textPlain">
-              <a:avLst/>
-            </a:prstTxWarp>
-          </a:bodyPr>
-          <a:lstStyle/>
-          <a:p>
-            <a:pPr lvl="0" algn="ctr"/>
-            <a:r>
-              <a:rPr lang="en-US" dirty="0">
-                <a:gradFill>
-                  <a:gsLst>
-                    <a:gs pos="0">
-                      <a:srgbClr val="24B484"/>
-                    </a:gs>
-                    <a:gs pos="100000">
-                      <a:srgbClr val="223D7E"/>
-                    </a:gs>
-                  </a:gsLst>
-                  <a:lin ang="0" scaled="0"/>
-                </a:gradFill>
-                <a:latin typeface="Montserrat;600"/>
-              </a:rPr>
-              <a:t>CI/CD and Automation</a:t>
-            </a:r>
-            <a:endParaRPr b="0" i="0" dirty="0">
-              <a:ln>
-                <a:noFill/>
-              </a:ln>
-              <a:gradFill>
-                <a:gsLst>
-                  <a:gs pos="0">
-                    <a:srgbClr val="24B484"/>
-                  </a:gs>
-                  <a:gs pos="100000">
-                    <a:srgbClr val="223D7E"/>
-                  </a:gs>
-                </a:gsLst>
-                <a:lin ang="0" scaled="0"/>
-              </a:gradFill>
-              <a:latin typeface="Montserrat;600"/>
-            </a:endParaRPr>
-          </a:p>
-        </p:txBody>
-      </p:sp>
-      <p:sp>
-        <p:nvSpPr>
-          <p:cNvPr id="215" name="Google Shape;215;p45"/>
-          <p:cNvSpPr/>
-          <p:nvPr/>
-        </p:nvSpPr>
-        <p:spPr>
-          <a:xfrm>
-            <a:off x="568131" y="3051590"/>
-            <a:ext cx="8171700" cy="1912385"/>
-          </a:xfrm>
-          <a:prstGeom prst="roundRect">
-            <a:avLst>
-              <a:gd name="adj" fmla="val 16667"/>
-            </a:avLst>
-          </a:prstGeom>
-          <a:solidFill>
-            <a:srgbClr val="FFFFFF"/>
-          </a:solidFill>
-          <a:ln w="9525" cap="flat" cmpd="sng">
-            <a:solidFill>
-              <a:srgbClr val="355BAA"/>
-            </a:solidFill>
-            <a:prstDash val="solid"/>
-            <a:round/>
-            <a:headEnd type="none" w="sm" len="sm"/>
-            <a:tailEnd type="none" w="sm" len="sm"/>
-          </a:ln>
-          <a:effectLst>
-            <a:outerShdw blurRad="57150" dist="19050" dir="5400000" algn="bl" rotWithShape="0">
-              <a:srgbClr val="000000">
-                <a:alpha val="50000"/>
-              </a:srgbClr>
-            </a:outerShdw>
-          </a:effectLst>
-        </p:spPr>
-        <p:txBody>
-          <a:bodyPr spcFirstLastPara="1" wrap="square" lIns="91425" tIns="91425" rIns="91425" bIns="91425" anchor="ctr" anchorCtr="0">
-            <a:noAutofit/>
-          </a:bodyPr>
-          <a:lstStyle/>
-          <a:p>
-            <a:pPr marL="457200" marR="0" lvl="0" indent="-317500" algn="l" rtl="0">
-              <a:lnSpc>
-                <a:spcPct val="150000"/>
-              </a:lnSpc>
-              <a:spcBef>
-                <a:spcPts val="0"/>
-              </a:spcBef>
-              <a:spcAft>
-                <a:spcPts val="0"/>
-              </a:spcAft>
-              <a:buSzPts val="1400"/>
-              <a:buFont typeface="Montserrat Medium"/>
-              <a:buChar char="●"/>
-            </a:pPr>
-            <a:r>
-              <a:rPr lang="en-SG" dirty="0">
-                <a:solidFill>
-                  <a:schemeClr val="tx1"/>
-                </a:solidFill>
-                <a:latin typeface="Montserrat Medium"/>
-                <a:cs typeface="Montserrat Medium"/>
-              </a:rPr>
-              <a:t>Utilize </a:t>
-            </a:r>
-            <a:r>
-              <a:rPr lang="en-SG" b="1" dirty="0" err="1">
-                <a:solidFill>
-                  <a:srgbClr val="00B0F0"/>
-                </a:solidFill>
-                <a:latin typeface="Montserrat Medium"/>
-                <a:cs typeface="Montserrat Medium"/>
-              </a:rPr>
-              <a:t>CodePipeline</a:t>
-            </a:r>
-            <a:r>
-              <a:rPr lang="en-SG" b="1" dirty="0">
-                <a:solidFill>
-                  <a:srgbClr val="00B0F0"/>
-                </a:solidFill>
-                <a:latin typeface="Montserrat Medium"/>
-                <a:cs typeface="Montserrat Medium"/>
-              </a:rPr>
-              <a:t>, </a:t>
-            </a:r>
-            <a:r>
-              <a:rPr lang="en-SG" b="1" dirty="0" err="1">
-                <a:solidFill>
-                  <a:srgbClr val="00B0F0"/>
-                </a:solidFill>
-                <a:latin typeface="Montserrat Medium"/>
-                <a:cs typeface="Montserrat Medium"/>
-              </a:rPr>
-              <a:t>CodeCommit</a:t>
-            </a:r>
-            <a:r>
-              <a:rPr lang="en-SG" b="1" dirty="0">
-                <a:solidFill>
-                  <a:srgbClr val="00B0F0"/>
-                </a:solidFill>
-                <a:latin typeface="Montserrat Medium"/>
-                <a:cs typeface="Montserrat Medium"/>
-              </a:rPr>
-              <a:t>, and </a:t>
-            </a:r>
-            <a:r>
-              <a:rPr lang="en-SG" b="1" dirty="0" err="1">
-                <a:solidFill>
-                  <a:srgbClr val="00B0F0"/>
-                </a:solidFill>
-                <a:latin typeface="Montserrat Medium"/>
-                <a:cs typeface="Montserrat Medium"/>
-              </a:rPr>
-              <a:t>CodeBuild</a:t>
-            </a:r>
-            <a:r>
-              <a:rPr lang="en-SG" b="1" dirty="0">
-                <a:solidFill>
-                  <a:srgbClr val="00B0F0"/>
-                </a:solidFill>
-                <a:latin typeface="Montserrat Medium"/>
-                <a:cs typeface="Montserrat Medium"/>
-              </a:rPr>
-              <a:t> </a:t>
-            </a:r>
-            <a:r>
-              <a:rPr lang="en-SG" dirty="0">
-                <a:solidFill>
-                  <a:schemeClr val="tx1"/>
-                </a:solidFill>
-                <a:latin typeface="Montserrat Medium"/>
-                <a:cs typeface="Montserrat Medium"/>
-              </a:rPr>
-              <a:t>for Continuous Integration and Continuous Deployment (CI/CD) automation.</a:t>
-            </a:r>
-          </a:p>
-          <a:p>
-            <a:pPr marL="457200" marR="0" lvl="0" indent="-317500" algn="l" rtl="0">
-              <a:lnSpc>
-                <a:spcPct val="150000"/>
-              </a:lnSpc>
-              <a:spcBef>
-                <a:spcPts val="0"/>
-              </a:spcBef>
-              <a:spcAft>
-                <a:spcPts val="0"/>
-              </a:spcAft>
-              <a:buSzPts val="1400"/>
-              <a:buFont typeface="Montserrat Medium"/>
-              <a:buChar char="●"/>
-            </a:pPr>
-            <a:r>
-              <a:rPr lang="en-SG" dirty="0">
-                <a:solidFill>
-                  <a:schemeClr val="tx1"/>
-                </a:solidFill>
-                <a:latin typeface="Montserrat Medium"/>
-                <a:cs typeface="Montserrat Medium"/>
-                <a:sym typeface="Montserrat Medium"/>
-              </a:rPr>
-              <a:t>After code is merged/pushed to the main branch, </a:t>
-            </a:r>
-            <a:r>
-              <a:rPr lang="en-SG" dirty="0" err="1">
-                <a:solidFill>
-                  <a:schemeClr val="tx1"/>
-                </a:solidFill>
-                <a:latin typeface="Montserrat Medium"/>
-                <a:cs typeface="Montserrat Medium"/>
-                <a:sym typeface="Montserrat Medium"/>
-              </a:rPr>
-              <a:t>CodeBuild</a:t>
-            </a:r>
-            <a:r>
-              <a:rPr lang="en-SG" dirty="0">
-                <a:solidFill>
-                  <a:schemeClr val="tx1"/>
-                </a:solidFill>
-                <a:latin typeface="Montserrat Medium"/>
-                <a:cs typeface="Montserrat Medium"/>
-                <a:sym typeface="Montserrat Medium"/>
-              </a:rPr>
-              <a:t> is triggered for operation like </a:t>
-            </a:r>
-            <a:r>
-              <a:rPr lang="en-SG" b="1" dirty="0">
-                <a:solidFill>
-                  <a:schemeClr val="tx1"/>
-                </a:solidFill>
-                <a:latin typeface="Montserrat Medium"/>
-                <a:cs typeface="Montserrat Medium"/>
-                <a:sym typeface="Montserrat Medium"/>
-              </a:rPr>
-              <a:t>unit testing</a:t>
-            </a:r>
-            <a:r>
-              <a:rPr lang="en-SG" dirty="0">
-                <a:solidFill>
-                  <a:schemeClr val="tx1"/>
-                </a:solidFill>
-                <a:latin typeface="Montserrat Medium"/>
-                <a:cs typeface="Montserrat Medium"/>
-                <a:sym typeface="Montserrat Medium"/>
-              </a:rPr>
-              <a:t>, </a:t>
-            </a:r>
-            <a:r>
-              <a:rPr lang="en-SG" b="1" dirty="0">
-                <a:solidFill>
-                  <a:schemeClr val="tx1"/>
-                </a:solidFill>
-                <a:latin typeface="Montserrat Medium"/>
-                <a:cs typeface="Montserrat Medium"/>
-                <a:sym typeface="Montserrat Medium"/>
-              </a:rPr>
-              <a:t>containerization</a:t>
-            </a:r>
-            <a:r>
-              <a:rPr lang="en-SG" dirty="0">
-                <a:solidFill>
-                  <a:schemeClr val="tx1"/>
-                </a:solidFill>
-                <a:latin typeface="Montserrat Medium"/>
-                <a:cs typeface="Montserrat Medium"/>
-                <a:sym typeface="Montserrat Medium"/>
-              </a:rPr>
-              <a:t>, </a:t>
-            </a:r>
-            <a:r>
-              <a:rPr lang="en-SG" b="1" dirty="0">
-                <a:solidFill>
-                  <a:schemeClr val="tx1"/>
-                </a:solidFill>
-                <a:latin typeface="Montserrat Medium"/>
-                <a:cs typeface="Montserrat Medium"/>
-                <a:sym typeface="Montserrat Medium"/>
-              </a:rPr>
-              <a:t>submission of new job </a:t>
-            </a:r>
-            <a:r>
-              <a:rPr lang="en-SG" dirty="0">
-                <a:solidFill>
-                  <a:schemeClr val="tx1"/>
-                </a:solidFill>
-                <a:latin typeface="Montserrat Medium"/>
-                <a:cs typeface="Montserrat Medium"/>
-                <a:sym typeface="Montserrat Medium"/>
-              </a:rPr>
-              <a:t>and </a:t>
-            </a:r>
-            <a:r>
-              <a:rPr lang="en-SG" b="1" dirty="0">
-                <a:solidFill>
-                  <a:schemeClr val="tx1"/>
-                </a:solidFill>
-                <a:latin typeface="Montserrat Medium"/>
-                <a:cs typeface="Montserrat Medium"/>
-                <a:sym typeface="Montserrat Medium"/>
-              </a:rPr>
-              <a:t>deployment</a:t>
-            </a:r>
-            <a:r>
-              <a:rPr lang="en-SG" dirty="0">
-                <a:solidFill>
-                  <a:schemeClr val="tx1"/>
-                </a:solidFill>
-                <a:latin typeface="Montserrat Medium"/>
-                <a:cs typeface="Montserrat Medium"/>
-                <a:sym typeface="Montserrat Medium"/>
-              </a:rPr>
-              <a:t>.</a:t>
-            </a:r>
-          </a:p>
-        </p:txBody>
-      </p:sp>
-      <p:pic>
-        <p:nvPicPr>
-          <p:cNvPr id="2052" name="Picture 4">
-            <a:extLst>
-              <a:ext uri="{FF2B5EF4-FFF2-40B4-BE49-F238E27FC236}">
-                <a16:creationId xmlns:a16="http://schemas.microsoft.com/office/drawing/2014/main" id="{14CEC2EC-23C9-D17D-5AC2-82BAA0FFA2FA}"/>
-              </a:ext>
-            </a:extLst>
-          </p:cNvPr>
-          <p:cNvPicPr>
-            <a:picLocks noChangeAspect="1" noChangeArrowheads="1"/>
-          </p:cNvPicPr>
-          <p:nvPr/>
-        </p:nvPicPr>
-        <p:blipFill>
-          <a:blip r:embed="rId3">
-            <a:extLst>
-              <a:ext uri="{28A0092B-C50C-407E-A947-70E740481C1C}">
-                <a14:useLocalDpi xmlns:a14="http://schemas.microsoft.com/office/drawing/2010/main" val="0"/>
-              </a:ext>
-            </a:extLst>
-          </a:blip>
-          <a:srcRect/>
-          <a:stretch>
-            <a:fillRect/>
-          </a:stretch>
-        </p:blipFill>
-        <p:spPr bwMode="auto">
-          <a:xfrm>
-            <a:off x="1770491" y="579120"/>
-            <a:ext cx="5603017" cy="2351168"/>
+            <a:off x="662421" y="3713356"/>
+            <a:ext cx="596638" cy="276999"/>
           </a:xfrm>
           <a:prstGeom prst="rect">
             <a:avLst/>
           </a:prstGeom>
           <a:noFill/>
-          <a:extLst>
-            <a:ext uri="{909E8E84-426E-40DD-AFC4-6F175D3DCCD1}">
-              <a14:hiddenFill xmlns:a14="http://schemas.microsoft.com/office/drawing/2010/main">
-                <a:solidFill>
-                  <a:srgbClr val="FFFFFF"/>
-                </a:solidFill>
-              </a14:hiddenFill>
-            </a:ext>
-          </a:extLst>
         </p:spPr>
-      </p:pic>
+        <p:txBody>
+          <a:bodyPr wrap="none" rtlCol="0">
+            <a:spAutoFit/>
+          </a:bodyPr>
+          <a:lstStyle/>
+          <a:p>
+            <a:pPr algn="ctr"/>
+            <a:r>
+              <a:rPr lang="en-US" sz="600" dirty="0"/>
+              <a:t>Secure File </a:t>
+            </a:r>
+          </a:p>
+          <a:p>
+            <a:pPr algn="ctr"/>
+            <a:r>
+              <a:rPr lang="en-US" sz="600" dirty="0"/>
+              <a:t>Transfer</a:t>
+            </a:r>
+            <a:endParaRPr sz="600" dirty="0"/>
+          </a:p>
+        </p:txBody>
+      </p:sp>
     </p:spTree>
     <p:extLst>
       <p:ext uri="{BB962C8B-B14F-4D97-AF65-F5344CB8AC3E}">
-        <p14:creationId xmlns:p14="http://schemas.microsoft.com/office/powerpoint/2010/main" val="2664385583"/>
-      </p:ext>
-    </p:extLst>
-  </p:cSld>
-  <p:clrMapOvr>
-    <a:masterClrMapping/>
-  </p:clrMapOvr>
-</p:sld>
-</file>
-
-<file path=ppt/slides/slide5.xml><?xml version="1.0" encoding="utf-8"?>
-<p:sld xmlns:a="http://schemas.openxmlformats.org/drawingml/2006/main" xmlns:r="http://schemas.openxmlformats.org/officeDocument/2006/relationships" xmlns:p="http://schemas.openxmlformats.org/presentationml/2006/main">
-  <p:cSld>
-    <p:spTree>
-      <p:nvGrpSpPr>
-        <p:cNvPr id="1" name="Shape 213"/>
-        <p:cNvGrpSpPr/>
-        <p:nvPr/>
-      </p:nvGrpSpPr>
-      <p:grpSpPr>
-        <a:xfrm>
-          <a:off x="0" y="0"/>
-          <a:ext cx="0" cy="0"/>
-          <a:chOff x="0" y="0"/>
-          <a:chExt cx="0" cy="0"/>
-        </a:xfrm>
-      </p:grpSpPr>
-      <p:sp>
-        <p:nvSpPr>
-          <p:cNvPr id="214" name="Google Shape;214;p45"/>
-          <p:cNvSpPr/>
-          <p:nvPr/>
-        </p:nvSpPr>
-        <p:spPr>
-          <a:xfrm>
-            <a:off x="159590" y="179525"/>
-            <a:ext cx="2263570" cy="282737"/>
-          </a:xfrm>
-          <a:prstGeom prst="rect">
-            <a:avLst/>
-          </a:prstGeom>
-        </p:spPr>
-        <p:txBody>
-          <a:bodyPr>
-            <a:prstTxWarp prst="textPlain">
-              <a:avLst/>
-            </a:prstTxWarp>
-          </a:bodyPr>
-          <a:lstStyle/>
-          <a:p>
-            <a:pPr lvl="0" algn="ctr"/>
-            <a:r>
-              <a:rPr lang="en-US" dirty="0">
-                <a:gradFill>
-                  <a:gsLst>
-                    <a:gs pos="0">
-                      <a:srgbClr val="24B484"/>
-                    </a:gs>
-                    <a:gs pos="100000">
-                      <a:srgbClr val="223D7E"/>
-                    </a:gs>
-                  </a:gsLst>
-                  <a:lin ang="0" scaled="0"/>
-                </a:gradFill>
-                <a:latin typeface="Montserrat;600"/>
-              </a:rPr>
-              <a:t>Seamless Training</a:t>
-            </a:r>
-            <a:endParaRPr b="0" i="0" dirty="0">
-              <a:ln>
-                <a:noFill/>
-              </a:ln>
-              <a:gradFill>
-                <a:gsLst>
-                  <a:gs pos="0">
-                    <a:srgbClr val="24B484"/>
-                  </a:gs>
-                  <a:gs pos="100000">
-                    <a:srgbClr val="223D7E"/>
-                  </a:gs>
-                </a:gsLst>
-                <a:lin ang="0" scaled="0"/>
-              </a:gradFill>
-              <a:latin typeface="Montserrat;600"/>
-            </a:endParaRPr>
-          </a:p>
-        </p:txBody>
-      </p:sp>
-      <p:sp>
-        <p:nvSpPr>
-          <p:cNvPr id="215" name="Google Shape;215;p45"/>
-          <p:cNvSpPr/>
-          <p:nvPr/>
-        </p:nvSpPr>
-        <p:spPr>
-          <a:xfrm>
-            <a:off x="234535" y="697230"/>
-            <a:ext cx="4377249" cy="3749040"/>
-          </a:xfrm>
-          <a:prstGeom prst="roundRect">
-            <a:avLst>
-              <a:gd name="adj" fmla="val 16667"/>
-            </a:avLst>
-          </a:prstGeom>
-          <a:solidFill>
-            <a:srgbClr val="FFFFFF"/>
-          </a:solidFill>
-          <a:ln w="9525" cap="flat" cmpd="sng">
-            <a:solidFill>
-              <a:srgbClr val="355BAA"/>
-            </a:solidFill>
-            <a:prstDash val="solid"/>
-            <a:round/>
-            <a:headEnd type="none" w="sm" len="sm"/>
-            <a:tailEnd type="none" w="sm" len="sm"/>
-          </a:ln>
-          <a:effectLst>
-            <a:outerShdw blurRad="57150" dist="19050" dir="5400000" algn="bl" rotWithShape="0">
-              <a:srgbClr val="000000">
-                <a:alpha val="50000"/>
-              </a:srgbClr>
-            </a:outerShdw>
-          </a:effectLst>
-        </p:spPr>
-        <p:txBody>
-          <a:bodyPr spcFirstLastPara="1" wrap="square" lIns="91425" tIns="91425" rIns="91425" bIns="91425" anchor="ctr" anchorCtr="0">
-            <a:noAutofit/>
-          </a:bodyPr>
-          <a:lstStyle/>
-          <a:p>
-            <a:pPr marL="457200" indent="-317500">
-              <a:lnSpc>
-                <a:spcPct val="150000"/>
-              </a:lnSpc>
-              <a:buSzPts val="1400"/>
-              <a:buFont typeface="Montserrat Medium"/>
-              <a:buChar char="●"/>
-            </a:pPr>
-            <a:r>
-              <a:rPr lang="en-SG" sz="1000" b="1" dirty="0">
-                <a:solidFill>
-                  <a:srgbClr val="00B0F0"/>
-                </a:solidFill>
-                <a:latin typeface="Montserrat Medium"/>
-                <a:cs typeface="Montserrat Medium"/>
-              </a:rPr>
-              <a:t>Automated Model Training</a:t>
-            </a:r>
-            <a:r>
-              <a:rPr lang="en-SG" sz="1000" dirty="0">
-                <a:solidFill>
-                  <a:schemeClr val="tx1"/>
-                </a:solidFill>
-                <a:latin typeface="Montserrat Medium"/>
-                <a:cs typeface="Montserrat Medium"/>
-              </a:rPr>
-              <a:t>: </a:t>
-            </a:r>
-            <a:r>
-              <a:rPr lang="en-SG" sz="1000" dirty="0" err="1">
-                <a:solidFill>
-                  <a:schemeClr val="tx1"/>
-                </a:solidFill>
-                <a:latin typeface="Montserrat Medium"/>
-                <a:cs typeface="Montserrat Medium"/>
-              </a:rPr>
-              <a:t>SageMaker</a:t>
-            </a:r>
-            <a:r>
-              <a:rPr lang="en-SG" sz="1000" dirty="0">
-                <a:solidFill>
-                  <a:schemeClr val="tx1"/>
-                </a:solidFill>
-                <a:latin typeface="Montserrat Medium"/>
-                <a:cs typeface="Montserrat Medium"/>
-              </a:rPr>
-              <a:t> training and processing jobs auto-triggered via </a:t>
-            </a:r>
-            <a:r>
-              <a:rPr lang="en-SG" sz="1000" dirty="0" err="1">
-                <a:solidFill>
-                  <a:schemeClr val="tx1"/>
-                </a:solidFill>
-                <a:latin typeface="Montserrat Medium"/>
-                <a:cs typeface="Montserrat Medium"/>
-              </a:rPr>
-              <a:t>CodeBuild</a:t>
-            </a:r>
-            <a:r>
-              <a:rPr lang="en-SG" sz="1000" dirty="0">
-                <a:solidFill>
-                  <a:schemeClr val="tx1"/>
-                </a:solidFill>
-                <a:latin typeface="Montserrat Medium"/>
-                <a:cs typeface="Montserrat Medium"/>
-              </a:rPr>
-              <a:t>.</a:t>
-            </a:r>
-          </a:p>
-          <a:p>
-            <a:pPr marL="457200" indent="-317500">
-              <a:lnSpc>
-                <a:spcPct val="150000"/>
-              </a:lnSpc>
-              <a:buSzPts val="1400"/>
-              <a:buFont typeface="Montserrat Medium"/>
-              <a:buChar char="●"/>
-            </a:pPr>
-            <a:r>
-              <a:rPr lang="en-SG" sz="1000" b="1" dirty="0">
-                <a:solidFill>
-                  <a:srgbClr val="00B0F0"/>
-                </a:solidFill>
-                <a:latin typeface="Montserrat Medium"/>
-                <a:cs typeface="Montserrat Medium"/>
-              </a:rPr>
-              <a:t>Model Approval Process: </a:t>
-            </a:r>
-            <a:r>
-              <a:rPr lang="en-SG" sz="1000" dirty="0">
-                <a:solidFill>
-                  <a:schemeClr val="tx1"/>
-                </a:solidFill>
-                <a:latin typeface="Montserrat Medium"/>
-                <a:cs typeface="Montserrat Medium"/>
-              </a:rPr>
-              <a:t>Uploaded model requires user approval in the model registry.</a:t>
-            </a:r>
-          </a:p>
-          <a:p>
-            <a:pPr marL="457200" indent="-317500">
-              <a:lnSpc>
-                <a:spcPct val="150000"/>
-              </a:lnSpc>
-              <a:buSzPts val="1400"/>
-              <a:buFont typeface="Montserrat Medium"/>
-              <a:buChar char="●"/>
-            </a:pPr>
-            <a:r>
-              <a:rPr lang="en-SG" sz="1000" b="1" dirty="0">
-                <a:solidFill>
-                  <a:srgbClr val="00B0F0"/>
-                </a:solidFill>
-                <a:latin typeface="Montserrat Medium"/>
-                <a:cs typeface="Montserrat Medium"/>
-              </a:rPr>
-              <a:t>Blue/Green Deployment Workflow</a:t>
-            </a:r>
-            <a:r>
-              <a:rPr lang="en-SG" sz="1000" dirty="0">
-                <a:solidFill>
-                  <a:schemeClr val="tx1"/>
-                </a:solidFill>
-                <a:latin typeface="Montserrat Medium"/>
-                <a:cs typeface="Montserrat Medium"/>
-              </a:rPr>
-              <a:t>: </a:t>
-            </a:r>
-            <a:r>
-              <a:rPr lang="en-SG" sz="1000" dirty="0" err="1">
-                <a:solidFill>
-                  <a:schemeClr val="tx1"/>
-                </a:solidFill>
-                <a:latin typeface="Montserrat Medium"/>
-                <a:cs typeface="Montserrat Medium"/>
-              </a:rPr>
-              <a:t>SageMaker</a:t>
-            </a:r>
-            <a:r>
-              <a:rPr lang="en-SG" sz="1000" dirty="0">
-                <a:solidFill>
-                  <a:schemeClr val="tx1"/>
-                </a:solidFill>
-                <a:latin typeface="Montserrat Medium"/>
-                <a:cs typeface="Montserrat Medium"/>
-              </a:rPr>
-              <a:t> creates a new fleet (green) alongside the existing one (blue) for updates. Traffic gradually shifts to the new fleet; upon smooth operation during the baking period, </a:t>
-            </a:r>
-            <a:r>
-              <a:rPr lang="en-SG" sz="1000" dirty="0" err="1">
-                <a:solidFill>
-                  <a:schemeClr val="tx1"/>
-                </a:solidFill>
-                <a:latin typeface="Montserrat Medium"/>
-                <a:cs typeface="Montserrat Medium"/>
-              </a:rPr>
-              <a:t>SageMaker</a:t>
-            </a:r>
-            <a:r>
-              <a:rPr lang="en-SG" sz="1000" dirty="0">
-                <a:solidFill>
-                  <a:schemeClr val="tx1"/>
-                </a:solidFill>
-                <a:latin typeface="Montserrat Medium"/>
-                <a:cs typeface="Montserrat Medium"/>
-              </a:rPr>
-              <a:t> terminates the old fleet.</a:t>
-            </a:r>
-          </a:p>
-          <a:p>
-            <a:pPr marL="457200" indent="-317500">
-              <a:lnSpc>
-                <a:spcPct val="150000"/>
-              </a:lnSpc>
-              <a:buSzPts val="1400"/>
-              <a:buFont typeface="Montserrat Medium"/>
-              <a:buChar char="●"/>
-            </a:pPr>
-            <a:r>
-              <a:rPr lang="en-SG" sz="1000" b="1" dirty="0">
-                <a:solidFill>
-                  <a:srgbClr val="00B0F0"/>
-                </a:solidFill>
-                <a:latin typeface="Montserrat Medium"/>
-                <a:cs typeface="Montserrat Medium"/>
-              </a:rPr>
-              <a:t>Auto-Rollback Mechanism</a:t>
-            </a:r>
-            <a:r>
-              <a:rPr lang="en-SG" sz="1000" dirty="0">
-                <a:solidFill>
-                  <a:schemeClr val="tx1"/>
-                </a:solidFill>
-                <a:latin typeface="Montserrat Medium"/>
-                <a:cs typeface="Montserrat Medium"/>
-              </a:rPr>
-              <a:t>: If issues arise, </a:t>
-            </a:r>
-            <a:r>
-              <a:rPr lang="en-SG" sz="1000" dirty="0" err="1">
-                <a:solidFill>
-                  <a:schemeClr val="tx1"/>
-                </a:solidFill>
-                <a:latin typeface="Montserrat Medium"/>
-                <a:cs typeface="Montserrat Medium"/>
-              </a:rPr>
-              <a:t>SageMaker</a:t>
-            </a:r>
-            <a:r>
-              <a:rPr lang="en-SG" sz="1000" dirty="0">
-                <a:solidFill>
-                  <a:schemeClr val="tx1"/>
-                </a:solidFill>
-                <a:latin typeface="Montserrat Medium"/>
-                <a:cs typeface="Montserrat Medium"/>
-              </a:rPr>
-              <a:t> triggers auto-rollback to the previous fleet, ensuring endpoint availability and minimizing production impact.</a:t>
-            </a:r>
-          </a:p>
-        </p:txBody>
-      </p:sp>
-      <p:grpSp>
-        <p:nvGrpSpPr>
-          <p:cNvPr id="4" name="Group 3">
-            <a:extLst>
-              <a:ext uri="{FF2B5EF4-FFF2-40B4-BE49-F238E27FC236}">
-                <a16:creationId xmlns:a16="http://schemas.microsoft.com/office/drawing/2014/main" id="{C0C78F56-A3BC-8D36-F8A0-A3C4CB873BA9}"/>
-              </a:ext>
-            </a:extLst>
-          </p:cNvPr>
-          <p:cNvGrpSpPr/>
-          <p:nvPr/>
-        </p:nvGrpSpPr>
-        <p:grpSpPr>
-          <a:xfrm>
-            <a:off x="4868603" y="568325"/>
-            <a:ext cx="4040862" cy="4006849"/>
-            <a:chOff x="4249698" y="686436"/>
-            <a:chExt cx="4740632" cy="4006849"/>
-          </a:xfrm>
-        </p:grpSpPr>
-        <p:pic>
-          <p:nvPicPr>
-            <p:cNvPr id="2" name="Picture 1">
-              <a:extLst>
-                <a:ext uri="{FF2B5EF4-FFF2-40B4-BE49-F238E27FC236}">
-                  <a16:creationId xmlns:a16="http://schemas.microsoft.com/office/drawing/2014/main" id="{D04967F3-8D1E-8C54-D7AA-5D5B4138A329}"/>
-                </a:ext>
-              </a:extLst>
-            </p:cNvPr>
-            <p:cNvPicPr>
-              <a:picLocks noChangeAspect="1"/>
-            </p:cNvPicPr>
-            <p:nvPr/>
-          </p:nvPicPr>
-          <p:blipFill>
-            <a:blip r:embed="rId3"/>
-            <a:stretch>
-              <a:fillRect/>
-            </a:stretch>
-          </p:blipFill>
-          <p:spPr>
-            <a:xfrm>
-              <a:off x="4249698" y="686436"/>
-              <a:ext cx="4740632" cy="4006849"/>
-            </a:xfrm>
-            <a:prstGeom prst="rect">
-              <a:avLst/>
-            </a:prstGeom>
-          </p:spPr>
-        </p:pic>
-        <p:sp>
-          <p:nvSpPr>
-            <p:cNvPr id="3" name="TextBox 2">
-              <a:extLst>
-                <a:ext uri="{FF2B5EF4-FFF2-40B4-BE49-F238E27FC236}">
-                  <a16:creationId xmlns:a16="http://schemas.microsoft.com/office/drawing/2014/main" id="{AEFE593B-5457-C5C9-48E1-C0A28C52F7CA}"/>
-                </a:ext>
-              </a:extLst>
-            </p:cNvPr>
-            <p:cNvSpPr txBox="1"/>
-            <p:nvPr/>
-          </p:nvSpPr>
-          <p:spPr>
-            <a:xfrm>
-              <a:off x="4472940" y="1951256"/>
-              <a:ext cx="1623059" cy="276999"/>
-            </a:xfrm>
-            <a:prstGeom prst="rect">
-              <a:avLst/>
-            </a:prstGeom>
-            <a:solidFill>
-              <a:schemeClr val="bg1"/>
-            </a:solidFill>
-          </p:spPr>
-          <p:txBody>
-            <a:bodyPr wrap="square" rtlCol="0">
-              <a:spAutoFit/>
-            </a:bodyPr>
-            <a:lstStyle/>
-            <a:p>
-              <a:pPr algn="ctr"/>
-              <a:r>
-                <a:rPr lang="en-US" sz="1200" dirty="0">
-                  <a:latin typeface="Chalkduster" panose="03050602040202020205" pitchFamily="66" charset="77"/>
-                  <a:cs typeface="Blackadder ITC" panose="020F0502020204030204" pitchFamily="34" charset="0"/>
-                </a:rPr>
-                <a:t>ECR Image</a:t>
-              </a:r>
-              <a:endParaRPr sz="1200" dirty="0">
-                <a:latin typeface="Chalkduster" panose="03050602040202020205" pitchFamily="66" charset="77"/>
-                <a:cs typeface="Blackadder ITC" panose="020F0502020204030204" pitchFamily="34" charset="0"/>
-              </a:endParaRPr>
-            </a:p>
-          </p:txBody>
-        </p:sp>
-      </p:grpSp>
-    </p:spTree>
-    <p:extLst>
-      <p:ext uri="{BB962C8B-B14F-4D97-AF65-F5344CB8AC3E}">
-        <p14:creationId xmlns:p14="http://schemas.microsoft.com/office/powerpoint/2010/main" val="2684294706"/>
+        <p14:creationId xmlns:p14="http://schemas.microsoft.com/office/powerpoint/2010/main" val="1239435581"/>
       </p:ext>
     </p:extLst>
   </p:cSld>
@@ -16773,6 +17492,25 @@
               </a:rPr>
               <a:t>, offering repeatability, consistency, and version control.</a:t>
             </a:r>
+          </a:p>
+          <a:p>
+            <a:pPr marL="285750" indent="-285750">
+              <a:lnSpc>
+                <a:spcPct val="150000"/>
+              </a:lnSpc>
+              <a:buFont typeface="Arial" panose="020B0604020202020204" pitchFamily="34" charset="0"/>
+              <a:buChar char="•"/>
+            </a:pPr>
+            <a:r>
+              <a:rPr lang="en-SG" b="0" i="0" dirty="0">
+                <a:solidFill>
+                  <a:schemeClr val="tx1"/>
+                </a:solidFill>
+                <a:effectLst/>
+                <a:latin typeface="Söhne"/>
+              </a:rPr>
+              <a:t>Allows for orchestration of the entire infrastructure lifecycle, from creation to modification to decommissioning.</a:t>
+            </a:r>
             <a:endParaRPr lang="en-SG" dirty="0">
               <a:solidFill>
                 <a:schemeClr val="tx1"/>
@@ -16815,25 +17553,6 @@
                 <a:latin typeface="Söhne"/>
               </a:rPr>
               <a:t>supports multiple cloud providers (AWS, Azure, Google Cloud, etc.) and various services within these providers. </a:t>
-            </a:r>
-          </a:p>
-          <a:p>
-            <a:pPr marL="285750" lvl="1" indent="-285750">
-              <a:lnSpc>
-                <a:spcPct val="150000"/>
-              </a:lnSpc>
-              <a:buFont typeface="Arial" panose="020B0604020202020204" pitchFamily="34" charset="0"/>
-              <a:buChar char="•"/>
-            </a:pPr>
-            <a:r>
-              <a:rPr lang="en-SG" b="0" i="0" dirty="0">
-                <a:solidFill>
-                  <a:schemeClr val="tx1"/>
-                </a:solidFill>
-                <a:effectLst/>
-                <a:latin typeface="Söhne"/>
-              </a:rPr>
-              <a:t>Allows for orchestration of the entire infrastructure lifecycle, from creation to modification to decommissioning.</a:t>
             </a:r>
           </a:p>
           <a:p>
@@ -16926,6 +17645,248 @@
 </file>
 
 <file path=ppt/slides/slide7.xml><?xml version="1.0" encoding="utf-8"?>
+<p:sld xmlns:a="http://schemas.openxmlformats.org/drawingml/2006/main" xmlns:r="http://schemas.openxmlformats.org/officeDocument/2006/relationships" xmlns:p="http://schemas.openxmlformats.org/presentationml/2006/main">
+  <p:cSld>
+    <p:spTree>
+      <p:nvGrpSpPr>
+        <p:cNvPr id="1" name="Shape 232"/>
+        <p:cNvGrpSpPr/>
+        <p:nvPr/>
+      </p:nvGrpSpPr>
+      <p:grpSpPr>
+        <a:xfrm>
+          <a:off x="0" y="0"/>
+          <a:ext cx="0" cy="0"/>
+          <a:chOff x="0" y="0"/>
+          <a:chExt cx="0" cy="0"/>
+        </a:xfrm>
+      </p:grpSpPr>
+      <p:sp>
+        <p:nvSpPr>
+          <p:cNvPr id="233" name="Google Shape;233;p48"/>
+          <p:cNvSpPr/>
+          <p:nvPr/>
+        </p:nvSpPr>
+        <p:spPr>
+          <a:xfrm>
+            <a:off x="2481426" y="2174888"/>
+            <a:ext cx="3913066" cy="458426"/>
+          </a:xfrm>
+          <a:prstGeom prst="rect">
+            <a:avLst/>
+          </a:prstGeom>
+        </p:spPr>
+        <p:txBody>
+          <a:bodyPr>
+            <a:prstTxWarp prst="textPlain">
+              <a:avLst/>
+            </a:prstTxWarp>
+          </a:bodyPr>
+          <a:lstStyle/>
+          <a:p>
+            <a:pPr lvl="0" algn="ctr"/>
+            <a:r>
+              <a:rPr lang="en-US" b="0" i="0" dirty="0">
+                <a:ln>
+                  <a:noFill/>
+                </a:ln>
+                <a:gradFill>
+                  <a:gsLst>
+                    <a:gs pos="0">
+                      <a:srgbClr val="24B484"/>
+                    </a:gs>
+                    <a:gs pos="100000">
+                      <a:srgbClr val="223D7E"/>
+                    </a:gs>
+                  </a:gsLst>
+                  <a:lin ang="0" scaled="0"/>
+                </a:gradFill>
+                <a:latin typeface="Montserrat;600"/>
+              </a:rPr>
+              <a:t>Q &amp; A</a:t>
+            </a:r>
+            <a:endParaRPr b="0" i="0" dirty="0">
+              <a:ln>
+                <a:noFill/>
+              </a:ln>
+              <a:gradFill>
+                <a:gsLst>
+                  <a:gs pos="0">
+                    <a:srgbClr val="24B484"/>
+                  </a:gs>
+                  <a:gs pos="100000">
+                    <a:srgbClr val="223D7E"/>
+                  </a:gs>
+                </a:gsLst>
+                <a:lin ang="0" scaled="0"/>
+              </a:gradFill>
+              <a:latin typeface="Montserrat;600"/>
+            </a:endParaRPr>
+          </a:p>
+        </p:txBody>
+      </p:sp>
+      <p:pic>
+        <p:nvPicPr>
+          <p:cNvPr id="234" name="Google Shape;234;p48"/>
+          <p:cNvPicPr preferRelativeResize="0"/>
+          <p:nvPr/>
+        </p:nvPicPr>
+        <p:blipFill rotWithShape="1">
+          <a:blip r:embed="rId3">
+            <a:alphaModFix/>
+          </a:blip>
+          <a:srcRect b="36443"/>
+          <a:stretch/>
+        </p:blipFill>
+        <p:spPr>
+          <a:xfrm>
+            <a:off x="8452351" y="4960899"/>
+            <a:ext cx="627923" cy="120525"/>
+          </a:xfrm>
+          <a:prstGeom prst="rect">
+            <a:avLst/>
+          </a:prstGeom>
+          <a:noFill/>
+          <a:ln>
+            <a:noFill/>
+          </a:ln>
+        </p:spPr>
+      </p:pic>
+    </p:spTree>
+    <p:extLst>
+      <p:ext uri="{BB962C8B-B14F-4D97-AF65-F5344CB8AC3E}">
+        <p14:creationId xmlns:p14="http://schemas.microsoft.com/office/powerpoint/2010/main" val="792688686"/>
+      </p:ext>
+    </p:extLst>
+  </p:cSld>
+  <p:clrMapOvr>
+    <a:masterClrMapping/>
+  </p:clrMapOvr>
+</p:sld>
+</file>
+
+<file path=ppt/slides/slide8.xml><?xml version="1.0" encoding="utf-8"?>
+<p:sld xmlns:a="http://schemas.openxmlformats.org/drawingml/2006/main" xmlns:r="http://schemas.openxmlformats.org/officeDocument/2006/relationships" xmlns:p="http://schemas.openxmlformats.org/presentationml/2006/main">
+  <p:cSld>
+    <p:spTree>
+      <p:nvGrpSpPr>
+        <p:cNvPr id="1" name="Shape 232"/>
+        <p:cNvGrpSpPr/>
+        <p:nvPr/>
+      </p:nvGrpSpPr>
+      <p:grpSpPr>
+        <a:xfrm>
+          <a:off x="0" y="0"/>
+          <a:ext cx="0" cy="0"/>
+          <a:chOff x="0" y="0"/>
+          <a:chExt cx="0" cy="0"/>
+        </a:xfrm>
+      </p:grpSpPr>
+      <p:sp>
+        <p:nvSpPr>
+          <p:cNvPr id="233" name="Google Shape;233;p48"/>
+          <p:cNvSpPr/>
+          <p:nvPr/>
+        </p:nvSpPr>
+        <p:spPr>
+          <a:xfrm>
+            <a:off x="2481426" y="2174888"/>
+            <a:ext cx="3913066" cy="458426"/>
+          </a:xfrm>
+          <a:prstGeom prst="rect">
+            <a:avLst/>
+          </a:prstGeom>
+        </p:spPr>
+        <p:txBody>
+          <a:bodyPr>
+            <a:prstTxWarp prst="textPlain">
+              <a:avLst/>
+            </a:prstTxWarp>
+          </a:bodyPr>
+          <a:lstStyle/>
+          <a:p>
+            <a:pPr lvl="0" algn="ctr"/>
+            <a:r>
+              <a:rPr lang="en-US" b="0" i="0" dirty="0">
+                <a:ln>
+                  <a:noFill/>
+                </a:ln>
+                <a:gradFill>
+                  <a:gsLst>
+                    <a:gs pos="0">
+                      <a:srgbClr val="24B484"/>
+                    </a:gs>
+                    <a:gs pos="100000">
+                      <a:srgbClr val="223D7E"/>
+                    </a:gs>
+                  </a:gsLst>
+                  <a:lin ang="0" scaled="0"/>
+                </a:gradFill>
+                <a:latin typeface="Montserrat;600"/>
+              </a:rPr>
+              <a:t>Code Base Presentation</a:t>
+            </a:r>
+            <a:endParaRPr b="0" i="0" dirty="0">
+              <a:ln>
+                <a:noFill/>
+              </a:ln>
+              <a:gradFill>
+                <a:gsLst>
+                  <a:gs pos="0">
+                    <a:srgbClr val="24B484"/>
+                  </a:gs>
+                  <a:gs pos="100000">
+                    <a:srgbClr val="223D7E"/>
+                  </a:gs>
+                </a:gsLst>
+                <a:lin ang="0" scaled="0"/>
+              </a:gradFill>
+              <a:latin typeface="Montserrat;600"/>
+            </a:endParaRPr>
+          </a:p>
+        </p:txBody>
+      </p:sp>
+      <p:pic>
+        <p:nvPicPr>
+          <p:cNvPr id="234" name="Google Shape;234;p48"/>
+          <p:cNvPicPr preferRelativeResize="0"/>
+          <p:nvPr/>
+        </p:nvPicPr>
+        <p:blipFill rotWithShape="1">
+          <a:blip r:embed="rId3">
+            <a:alphaModFix/>
+          </a:blip>
+          <a:srcRect b="36443"/>
+          <a:stretch/>
+        </p:blipFill>
+        <p:spPr>
+          <a:xfrm>
+            <a:off x="8452351" y="4960899"/>
+            <a:ext cx="627923" cy="120525"/>
+          </a:xfrm>
+          <a:prstGeom prst="rect">
+            <a:avLst/>
+          </a:prstGeom>
+          <a:noFill/>
+          <a:ln>
+            <a:noFill/>
+          </a:ln>
+        </p:spPr>
+      </p:pic>
+    </p:spTree>
+    <p:extLst>
+      <p:ext uri="{BB962C8B-B14F-4D97-AF65-F5344CB8AC3E}">
+        <p14:creationId xmlns:p14="http://schemas.microsoft.com/office/powerpoint/2010/main" val="1423912043"/>
+      </p:ext>
+    </p:extLst>
+  </p:cSld>
+  <p:clrMapOvr>
+    <a:masterClrMapping/>
+  </p:clrMapOvr>
+</p:sld>
+</file>
+
+<file path=ppt/slides/slide9.xml><?xml version="1.0" encoding="utf-8"?>
 <p:sld xmlns:a="http://schemas.openxmlformats.org/drawingml/2006/main" xmlns:r="http://schemas.openxmlformats.org/officeDocument/2006/relationships" xmlns:p="http://schemas.openxmlformats.org/presentationml/2006/main">
   <p:cSld>
     <p:spTree>
